--- a/Sprint-14 Análise Estatica/CleartechSprint14.pptx
+++ b/Sprint-14 Análise Estatica/CleartechSprint14.pptx
@@ -3605,7 +3605,7 @@
         <p:spPr>
           <a:xfrm>
             <a:off x="10266840" y="6244920"/>
-            <a:ext cx="1572840" cy="359280"/>
+            <a:ext cx="1572480" cy="358920"/>
           </a:xfrm>
           <a:prstGeom prst="rect">
             <a:avLst/>
@@ -3628,7 +3628,7 @@
         <p:spPr>
           <a:xfrm>
             <a:off x="0" y="0"/>
-            <a:ext cx="12190680" cy="6856560"/>
+            <a:ext cx="12190320" cy="6856200"/>
           </a:xfrm>
           <a:prstGeom prst="rect">
             <a:avLst/>
@@ -3969,7 +3969,7 @@
         <p:spPr>
           <a:xfrm>
             <a:off x="0" y="0"/>
-            <a:ext cx="12190680" cy="6856560"/>
+            <a:ext cx="12190320" cy="6856200"/>
           </a:xfrm>
           <a:prstGeom prst="rect">
             <a:avLst/>
@@ -4299,7 +4299,7 @@
         <p:spPr>
           <a:xfrm>
             <a:off x="360000" y="1681920"/>
-            <a:ext cx="6378120" cy="1917360"/>
+            <a:ext cx="6377760" cy="1917000"/>
           </a:xfrm>
           <a:prstGeom prst="rect">
             <a:avLst/>
@@ -4335,14 +4335,11 @@
               </a:rPr>
               <a:t>Sprint 14 - Análise Estática</a:t>
             </a:r>
-            <a:endParaRPr b="1" lang="pt-BR" sz="4800" spc="-1" strike="noStrike">
-              <a:solidFill>
-                <a:srgbClr val="ffff00"/>
-              </a:solidFill>
-              <a:highlight>
-                <a:srgbClr val="111111"/>
-              </a:highlight>
-              <a:latin typeface="Verdana"/>
+            <a:endParaRPr b="0" lang="pt-BR" sz="4800" spc="-1" strike="noStrike">
+              <a:solidFill>
+                <a:srgbClr val="000000"/>
+              </a:solidFill>
+              <a:latin typeface="Arial"/>
             </a:endParaRPr>
           </a:p>
           <a:p>
@@ -4361,14 +4358,11 @@
               </a:rPr>
               <a:t>Cleartech</a:t>
             </a:r>
-            <a:endParaRPr b="1" lang="pt-BR" sz="4800" spc="-1" strike="noStrike">
-              <a:solidFill>
-                <a:srgbClr val="ffff00"/>
-              </a:solidFill>
-              <a:highlight>
-                <a:srgbClr val="111111"/>
-              </a:highlight>
-              <a:latin typeface="Verdana"/>
+            <a:endParaRPr b="0" lang="pt-BR" sz="4800" spc="-1" strike="noStrike">
+              <a:solidFill>
+                <a:srgbClr val="000000"/>
+              </a:solidFill>
+              <a:latin typeface="Arial"/>
             </a:endParaRPr>
           </a:p>
         </p:txBody>
@@ -4382,7 +4376,7 @@
         <p:spPr>
           <a:xfrm>
             <a:off x="7915680" y="6155640"/>
-            <a:ext cx="4394520" cy="332640"/>
+            <a:ext cx="4394160" cy="332280"/>
           </a:xfrm>
           <a:prstGeom prst="rect">
             <a:avLst/>
@@ -4418,14 +4412,11 @@
               </a:rPr>
               <a:t>Por: Gisele de Oliveira Christo Santos</a:t>
             </a:r>
-            <a:endParaRPr b="1" lang="pt-BR" sz="1600" spc="-1" strike="noStrike">
-              <a:solidFill>
-                <a:srgbClr val="ffff00"/>
-              </a:solidFill>
-              <a:highlight>
-                <a:srgbClr val="111111"/>
-              </a:highlight>
-              <a:latin typeface="Verdana"/>
+            <a:endParaRPr b="0" lang="pt-BR" sz="1600" spc="-1" strike="noStrike">
+              <a:solidFill>
+                <a:srgbClr val="000000"/>
+              </a:solidFill>
+              <a:latin typeface="Arial"/>
             </a:endParaRPr>
           </a:p>
         </p:txBody>
@@ -4439,7 +4430,7 @@
         <p:spPr>
           <a:xfrm>
             <a:off x="8170560" y="6494400"/>
-            <a:ext cx="3884040" cy="210960"/>
+            <a:ext cx="3883680" cy="210600"/>
           </a:xfrm>
           <a:prstGeom prst="rect">
             <a:avLst/>
@@ -4514,7 +4505,7 @@
         <p:spPr>
           <a:xfrm>
             <a:off x="4127760" y="148320"/>
-            <a:ext cx="2886480" cy="1003680"/>
+            <a:ext cx="2886120" cy="1003320"/>
           </a:xfrm>
           <a:prstGeom prst="rect">
             <a:avLst/>
@@ -4553,14 +4544,11 @@
               </a:rPr>
               <a:t>Conceito</a:t>
             </a:r>
-            <a:endParaRPr b="1" lang="pt-BR" sz="6000" spc="-1" strike="noStrike">
-              <a:solidFill>
-                <a:srgbClr val="ffff00"/>
-              </a:solidFill>
-              <a:highlight>
-                <a:srgbClr val="111111"/>
-              </a:highlight>
-              <a:latin typeface="Verdana"/>
+            <a:endParaRPr b="0" lang="pt-BR" sz="6000" spc="-1" strike="noStrike">
+              <a:solidFill>
+                <a:srgbClr val="000000"/>
+              </a:solidFill>
+              <a:latin typeface="Arial"/>
             </a:endParaRPr>
           </a:p>
         </p:txBody>
@@ -4574,7 +4562,7 @@
         <p:spPr>
           <a:xfrm>
             <a:off x="5087880" y="6494400"/>
-            <a:ext cx="3884040" cy="210960"/>
+            <a:ext cx="3883680" cy="210600"/>
           </a:xfrm>
           <a:prstGeom prst="rect">
             <a:avLst/>
@@ -4601,7 +4589,7 @@
               </a:lnSpc>
             </a:pPr>
             <a:r>
-              <a:rPr b="0" lang="pt-BR" sz="800" spc="290" strike="noStrike">
+              <a:rPr b="0" lang="pt-BR" sz="800" spc="287" strike="noStrike">
                 <a:solidFill>
                   <a:srgbClr val="808080"/>
                 </a:solidFill>
@@ -4610,14 +4598,11 @@
               </a:rPr>
               <a:t>CLASSIFICAÇÃO: DOCUMENTO CONFIDENCIAL</a:t>
             </a:r>
-            <a:endParaRPr b="1" lang="pt-BR" sz="800" spc="-1" strike="noStrike">
-              <a:solidFill>
-                <a:srgbClr val="ffff00"/>
-              </a:solidFill>
-              <a:highlight>
-                <a:srgbClr val="111111"/>
-              </a:highlight>
-              <a:latin typeface="Verdana"/>
+            <a:endParaRPr b="0" lang="pt-BR" sz="800" spc="-1" strike="noStrike">
+              <a:solidFill>
+                <a:srgbClr val="000000"/>
+              </a:solidFill>
+              <a:latin typeface="Arial"/>
             </a:endParaRPr>
           </a:p>
         </p:txBody>
@@ -4631,7 +4616,7 @@
         <p:spPr>
           <a:xfrm>
             <a:off x="936720" y="1243800"/>
-            <a:ext cx="6092640" cy="10121040"/>
+            <a:ext cx="6092280" cy="10120680"/>
           </a:xfrm>
           <a:prstGeom prst="rect">
             <a:avLst/>
@@ -4677,14 +4662,11 @@
               </a:rPr>
               <a:t>Devido ao aumento das demandas de contratação de softwares pelo mercado está crescendo cada vez mais a necessidade do controle de qualidade que cada um entrega ao cliente final. </a:t>
             </a:r>
-            <a:endParaRPr b="1" lang="pt-BR" sz="2000" spc="-1" strike="noStrike">
-              <a:solidFill>
-                <a:srgbClr val="ffff00"/>
-              </a:solidFill>
-              <a:highlight>
-                <a:srgbClr val="111111"/>
-              </a:highlight>
-              <a:latin typeface="Verdana"/>
+            <a:endParaRPr b="0" lang="pt-BR" sz="2000" spc="-1" strike="noStrike">
+              <a:solidFill>
+                <a:srgbClr val="000000"/>
+              </a:solidFill>
+              <a:latin typeface="Arial"/>
             </a:endParaRPr>
           </a:p>
           <a:p>
@@ -4713,14 +4695,11 @@
               </a:rPr>
               <a:t>Mesmo tendo vários fatores para que seja desencadeado um determinado problema, a maioria ainda tem como principal causa a falha humana.</a:t>
             </a:r>
-            <a:endParaRPr b="1" lang="pt-BR" sz="2000" spc="-1" strike="noStrike">
-              <a:solidFill>
-                <a:srgbClr val="ffff00"/>
-              </a:solidFill>
-              <a:highlight>
-                <a:srgbClr val="111111"/>
-              </a:highlight>
-              <a:latin typeface="Verdana"/>
+            <a:endParaRPr b="0" lang="pt-BR" sz="2000" spc="-1" strike="noStrike">
+              <a:solidFill>
+                <a:srgbClr val="000000"/>
+              </a:solidFill>
+              <a:latin typeface="Arial"/>
             </a:endParaRPr>
           </a:p>
           <a:p>
@@ -4739,382 +4718,310 @@
               </a:rPr>
               <a:t>Para viabilizar o rastreio de tais falhas temos várias ferramentas, impedindo que  a maioria ocorra em ambienta de execução.</a:t>
             </a:r>
-            <a:endParaRPr b="1" lang="pt-BR" sz="2000" spc="-1" strike="noStrike">
-              <a:solidFill>
-                <a:srgbClr val="ffff00"/>
-              </a:solidFill>
-              <a:highlight>
-                <a:srgbClr val="111111"/>
-              </a:highlight>
-              <a:latin typeface="Verdana"/>
-            </a:endParaRPr>
-          </a:p>
-          <a:p>
-            <a:pPr>
-              <a:lnSpc>
-                <a:spcPct val="100000"/>
-              </a:lnSpc>
-            </a:pPr>
-            <a:endParaRPr b="1" lang="pt-BR" sz="2000" spc="-1" strike="noStrike">
-              <a:solidFill>
-                <a:srgbClr val="ffff00"/>
-              </a:solidFill>
-              <a:highlight>
-                <a:srgbClr val="111111"/>
-              </a:highlight>
-              <a:latin typeface="Verdana"/>
-            </a:endParaRPr>
-          </a:p>
-          <a:p>
-            <a:pPr>
-              <a:lnSpc>
-                <a:spcPct val="100000"/>
-              </a:lnSpc>
-            </a:pPr>
-            <a:endParaRPr b="1" lang="pt-BR" sz="2000" spc="-1" strike="noStrike">
-              <a:solidFill>
-                <a:srgbClr val="ffff00"/>
-              </a:solidFill>
-              <a:highlight>
-                <a:srgbClr val="111111"/>
-              </a:highlight>
-              <a:latin typeface="Verdana"/>
-            </a:endParaRPr>
-          </a:p>
-          <a:p>
-            <a:pPr>
-              <a:lnSpc>
-                <a:spcPct val="100000"/>
-              </a:lnSpc>
-            </a:pPr>
-            <a:endParaRPr b="1" lang="pt-BR" sz="2000" spc="-1" strike="noStrike">
-              <a:solidFill>
-                <a:srgbClr val="ffff00"/>
-              </a:solidFill>
-              <a:highlight>
-                <a:srgbClr val="111111"/>
-              </a:highlight>
-              <a:latin typeface="Verdana"/>
-            </a:endParaRPr>
-          </a:p>
-          <a:p>
-            <a:pPr>
-              <a:lnSpc>
-                <a:spcPct val="100000"/>
-              </a:lnSpc>
-            </a:pPr>
-            <a:endParaRPr b="1" lang="pt-BR" sz="2000" spc="-1" strike="noStrike">
-              <a:solidFill>
-                <a:srgbClr val="ffff00"/>
-              </a:solidFill>
-              <a:highlight>
-                <a:srgbClr val="111111"/>
-              </a:highlight>
-              <a:latin typeface="Verdana"/>
-            </a:endParaRPr>
-          </a:p>
-          <a:p>
-            <a:pPr>
-              <a:lnSpc>
-                <a:spcPct val="100000"/>
-              </a:lnSpc>
-            </a:pPr>
-            <a:endParaRPr b="1" lang="pt-BR" sz="2000" spc="-1" strike="noStrike">
-              <a:solidFill>
-                <a:srgbClr val="ffff00"/>
-              </a:solidFill>
-              <a:highlight>
-                <a:srgbClr val="111111"/>
-              </a:highlight>
-              <a:latin typeface="Verdana"/>
-            </a:endParaRPr>
-          </a:p>
-          <a:p>
-            <a:pPr>
-              <a:lnSpc>
-                <a:spcPct val="100000"/>
-              </a:lnSpc>
-            </a:pPr>
-            <a:endParaRPr b="1" lang="pt-BR" sz="2000" spc="-1" strike="noStrike">
-              <a:solidFill>
-                <a:srgbClr val="ffff00"/>
-              </a:solidFill>
-              <a:highlight>
-                <a:srgbClr val="111111"/>
-              </a:highlight>
-              <a:latin typeface="Verdana"/>
-            </a:endParaRPr>
-          </a:p>
-          <a:p>
-            <a:pPr>
-              <a:lnSpc>
-                <a:spcPct val="100000"/>
-              </a:lnSpc>
-            </a:pPr>
-            <a:endParaRPr b="1" lang="pt-BR" sz="2000" spc="-1" strike="noStrike">
-              <a:solidFill>
-                <a:srgbClr val="ffff00"/>
-              </a:solidFill>
-              <a:highlight>
-                <a:srgbClr val="111111"/>
-              </a:highlight>
-              <a:latin typeface="Verdana"/>
-            </a:endParaRPr>
-          </a:p>
-          <a:p>
-            <a:pPr>
-              <a:lnSpc>
-                <a:spcPct val="100000"/>
-              </a:lnSpc>
-            </a:pPr>
-            <a:endParaRPr b="1" lang="pt-BR" sz="2000" spc="-1" strike="noStrike">
-              <a:solidFill>
-                <a:srgbClr val="ffff00"/>
-              </a:solidFill>
-              <a:highlight>
-                <a:srgbClr val="111111"/>
-              </a:highlight>
-              <a:latin typeface="Verdana"/>
-            </a:endParaRPr>
-          </a:p>
-          <a:p>
-            <a:pPr>
-              <a:lnSpc>
-                <a:spcPct val="100000"/>
-              </a:lnSpc>
-            </a:pPr>
-            <a:endParaRPr b="1" lang="pt-BR" sz="2000" spc="-1" strike="noStrike">
-              <a:solidFill>
-                <a:srgbClr val="ffff00"/>
-              </a:solidFill>
-              <a:highlight>
-                <a:srgbClr val="111111"/>
-              </a:highlight>
-              <a:latin typeface="Verdana"/>
-            </a:endParaRPr>
-          </a:p>
-          <a:p>
-            <a:pPr>
-              <a:lnSpc>
-                <a:spcPct val="100000"/>
-              </a:lnSpc>
-            </a:pPr>
-            <a:endParaRPr b="1" lang="pt-BR" sz="2000" spc="-1" strike="noStrike">
-              <a:solidFill>
-                <a:srgbClr val="ffff00"/>
-              </a:solidFill>
-              <a:highlight>
-                <a:srgbClr val="111111"/>
-              </a:highlight>
-              <a:latin typeface="Verdana"/>
-            </a:endParaRPr>
-          </a:p>
-          <a:p>
-            <a:pPr>
-              <a:lnSpc>
-                <a:spcPct val="100000"/>
-              </a:lnSpc>
-            </a:pPr>
-            <a:endParaRPr b="1" lang="pt-BR" sz="2000" spc="-1" strike="noStrike">
-              <a:solidFill>
-                <a:srgbClr val="ffff00"/>
-              </a:solidFill>
-              <a:highlight>
-                <a:srgbClr val="111111"/>
-              </a:highlight>
-              <a:latin typeface="Verdana"/>
-            </a:endParaRPr>
-          </a:p>
-          <a:p>
-            <a:pPr>
-              <a:lnSpc>
-                <a:spcPct val="100000"/>
-              </a:lnSpc>
-            </a:pPr>
-            <a:endParaRPr b="1" lang="pt-BR" sz="2000" spc="-1" strike="noStrike">
-              <a:solidFill>
-                <a:srgbClr val="ffff00"/>
-              </a:solidFill>
-              <a:highlight>
-                <a:srgbClr val="111111"/>
-              </a:highlight>
-              <a:latin typeface="Verdana"/>
-            </a:endParaRPr>
-          </a:p>
-          <a:p>
-            <a:pPr>
-              <a:lnSpc>
-                <a:spcPct val="100000"/>
-              </a:lnSpc>
-            </a:pPr>
-            <a:endParaRPr b="1" lang="pt-BR" sz="2000" spc="-1" strike="noStrike">
-              <a:solidFill>
-                <a:srgbClr val="ffff00"/>
-              </a:solidFill>
-              <a:highlight>
-                <a:srgbClr val="111111"/>
-              </a:highlight>
-              <a:latin typeface="Verdana"/>
-            </a:endParaRPr>
-          </a:p>
-          <a:p>
-            <a:pPr>
-              <a:lnSpc>
-                <a:spcPct val="100000"/>
-              </a:lnSpc>
-            </a:pPr>
-            <a:endParaRPr b="1" lang="pt-BR" sz="2000" spc="-1" strike="noStrike">
-              <a:solidFill>
-                <a:srgbClr val="ffff00"/>
-              </a:solidFill>
-              <a:highlight>
-                <a:srgbClr val="111111"/>
-              </a:highlight>
-              <a:latin typeface="Verdana"/>
-            </a:endParaRPr>
-          </a:p>
-          <a:p>
-            <a:pPr>
-              <a:lnSpc>
-                <a:spcPct val="100000"/>
-              </a:lnSpc>
-            </a:pPr>
-            <a:endParaRPr b="1" lang="pt-BR" sz="2000" spc="-1" strike="noStrike">
-              <a:solidFill>
-                <a:srgbClr val="ffff00"/>
-              </a:solidFill>
-              <a:highlight>
-                <a:srgbClr val="111111"/>
-              </a:highlight>
-              <a:latin typeface="Verdana"/>
-            </a:endParaRPr>
-          </a:p>
-          <a:p>
-            <a:pPr>
-              <a:lnSpc>
-                <a:spcPct val="100000"/>
-              </a:lnSpc>
-            </a:pPr>
-            <a:endParaRPr b="1" lang="pt-BR" sz="2000" spc="-1" strike="noStrike">
-              <a:solidFill>
-                <a:srgbClr val="ffff00"/>
-              </a:solidFill>
-              <a:highlight>
-                <a:srgbClr val="111111"/>
-              </a:highlight>
-              <a:latin typeface="Verdana"/>
-            </a:endParaRPr>
-          </a:p>
-          <a:p>
-            <a:pPr>
-              <a:lnSpc>
-                <a:spcPct val="100000"/>
-              </a:lnSpc>
-            </a:pPr>
-            <a:endParaRPr b="1" lang="pt-BR" sz="2000" spc="-1" strike="noStrike">
-              <a:solidFill>
-                <a:srgbClr val="ffff00"/>
-              </a:solidFill>
-              <a:highlight>
-                <a:srgbClr val="111111"/>
-              </a:highlight>
-              <a:latin typeface="Verdana"/>
-            </a:endParaRPr>
-          </a:p>
-          <a:p>
-            <a:pPr>
-              <a:lnSpc>
-                <a:spcPct val="100000"/>
-              </a:lnSpc>
-            </a:pPr>
-            <a:endParaRPr b="1" lang="pt-BR" sz="2000" spc="-1" strike="noStrike">
-              <a:solidFill>
-                <a:srgbClr val="ffff00"/>
-              </a:solidFill>
-              <a:highlight>
-                <a:srgbClr val="111111"/>
-              </a:highlight>
-              <a:latin typeface="Verdana"/>
-            </a:endParaRPr>
-          </a:p>
-          <a:p>
-            <a:pPr>
-              <a:lnSpc>
-                <a:spcPct val="100000"/>
-              </a:lnSpc>
-            </a:pPr>
-            <a:endParaRPr b="1" lang="pt-BR" sz="2000" spc="-1" strike="noStrike">
-              <a:solidFill>
-                <a:srgbClr val="ffff00"/>
-              </a:solidFill>
-              <a:highlight>
-                <a:srgbClr val="111111"/>
-              </a:highlight>
-              <a:latin typeface="Verdana"/>
-            </a:endParaRPr>
-          </a:p>
-          <a:p>
-            <a:pPr>
-              <a:lnSpc>
-                <a:spcPct val="100000"/>
-              </a:lnSpc>
-            </a:pPr>
-            <a:endParaRPr b="1" lang="pt-BR" sz="2000" spc="-1" strike="noStrike">
-              <a:solidFill>
-                <a:srgbClr val="ffff00"/>
-              </a:solidFill>
-              <a:highlight>
-                <a:srgbClr val="111111"/>
-              </a:highlight>
-              <a:latin typeface="Verdana"/>
-            </a:endParaRPr>
-          </a:p>
-          <a:p>
-            <a:pPr>
-              <a:lnSpc>
-                <a:spcPct val="100000"/>
-              </a:lnSpc>
-            </a:pPr>
-            <a:endParaRPr b="1" lang="pt-BR" sz="2000" spc="-1" strike="noStrike">
-              <a:solidFill>
-                <a:srgbClr val="ffff00"/>
-              </a:solidFill>
-              <a:highlight>
-                <a:srgbClr val="111111"/>
-              </a:highlight>
-              <a:latin typeface="Verdana"/>
-            </a:endParaRPr>
-          </a:p>
-          <a:p>
-            <a:pPr>
-              <a:lnSpc>
-                <a:spcPct val="100000"/>
-              </a:lnSpc>
-            </a:pPr>
-            <a:endParaRPr b="1" lang="pt-BR" sz="2000" spc="-1" strike="noStrike">
-              <a:solidFill>
-                <a:srgbClr val="ffff00"/>
-              </a:solidFill>
-              <a:highlight>
-                <a:srgbClr val="111111"/>
-              </a:highlight>
-              <a:latin typeface="Verdana"/>
-            </a:endParaRPr>
-          </a:p>
-          <a:p>
-            <a:pPr>
-              <a:lnSpc>
-                <a:spcPct val="100000"/>
-              </a:lnSpc>
-            </a:pPr>
-            <a:endParaRPr b="1" lang="pt-BR" sz="2000" spc="-1" strike="noStrike">
-              <a:solidFill>
-                <a:srgbClr val="ffff00"/>
-              </a:solidFill>
-              <a:highlight>
-                <a:srgbClr val="111111"/>
-              </a:highlight>
-              <a:latin typeface="Verdana"/>
+            <a:endParaRPr b="0" lang="pt-BR" sz="2000" spc="-1" strike="noStrike">
+              <a:solidFill>
+                <a:srgbClr val="000000"/>
+              </a:solidFill>
+              <a:latin typeface="Arial"/>
+            </a:endParaRPr>
+          </a:p>
+          <a:p>
+            <a:pPr>
+              <a:lnSpc>
+                <a:spcPct val="100000"/>
+              </a:lnSpc>
+            </a:pPr>
+            <a:endParaRPr b="0" lang="pt-BR" sz="2000" spc="-1" strike="noStrike">
+              <a:solidFill>
+                <a:srgbClr val="000000"/>
+              </a:solidFill>
+              <a:latin typeface="Arial"/>
+            </a:endParaRPr>
+          </a:p>
+          <a:p>
+            <a:pPr>
+              <a:lnSpc>
+                <a:spcPct val="100000"/>
+              </a:lnSpc>
+            </a:pPr>
+            <a:endParaRPr b="0" lang="pt-BR" sz="2000" spc="-1" strike="noStrike">
+              <a:solidFill>
+                <a:srgbClr val="000000"/>
+              </a:solidFill>
+              <a:latin typeface="Arial"/>
+            </a:endParaRPr>
+          </a:p>
+          <a:p>
+            <a:pPr>
+              <a:lnSpc>
+                <a:spcPct val="100000"/>
+              </a:lnSpc>
+            </a:pPr>
+            <a:endParaRPr b="0" lang="pt-BR" sz="2000" spc="-1" strike="noStrike">
+              <a:solidFill>
+                <a:srgbClr val="000000"/>
+              </a:solidFill>
+              <a:latin typeface="Arial"/>
+            </a:endParaRPr>
+          </a:p>
+          <a:p>
+            <a:pPr>
+              <a:lnSpc>
+                <a:spcPct val="100000"/>
+              </a:lnSpc>
+            </a:pPr>
+            <a:endParaRPr b="0" lang="pt-BR" sz="2000" spc="-1" strike="noStrike">
+              <a:solidFill>
+                <a:srgbClr val="000000"/>
+              </a:solidFill>
+              <a:latin typeface="Arial"/>
+            </a:endParaRPr>
+          </a:p>
+          <a:p>
+            <a:pPr>
+              <a:lnSpc>
+                <a:spcPct val="100000"/>
+              </a:lnSpc>
+            </a:pPr>
+            <a:endParaRPr b="0" lang="pt-BR" sz="2000" spc="-1" strike="noStrike">
+              <a:solidFill>
+                <a:srgbClr val="000000"/>
+              </a:solidFill>
+              <a:latin typeface="Arial"/>
+            </a:endParaRPr>
+          </a:p>
+          <a:p>
+            <a:pPr>
+              <a:lnSpc>
+                <a:spcPct val="100000"/>
+              </a:lnSpc>
+            </a:pPr>
+            <a:endParaRPr b="0" lang="pt-BR" sz="2000" spc="-1" strike="noStrike">
+              <a:solidFill>
+                <a:srgbClr val="000000"/>
+              </a:solidFill>
+              <a:latin typeface="Arial"/>
+            </a:endParaRPr>
+          </a:p>
+          <a:p>
+            <a:pPr>
+              <a:lnSpc>
+                <a:spcPct val="100000"/>
+              </a:lnSpc>
+            </a:pPr>
+            <a:endParaRPr b="0" lang="pt-BR" sz="2000" spc="-1" strike="noStrike">
+              <a:solidFill>
+                <a:srgbClr val="000000"/>
+              </a:solidFill>
+              <a:latin typeface="Arial"/>
+            </a:endParaRPr>
+          </a:p>
+          <a:p>
+            <a:pPr>
+              <a:lnSpc>
+                <a:spcPct val="100000"/>
+              </a:lnSpc>
+            </a:pPr>
+            <a:endParaRPr b="0" lang="pt-BR" sz="2000" spc="-1" strike="noStrike">
+              <a:solidFill>
+                <a:srgbClr val="000000"/>
+              </a:solidFill>
+              <a:latin typeface="Arial"/>
+            </a:endParaRPr>
+          </a:p>
+          <a:p>
+            <a:pPr>
+              <a:lnSpc>
+                <a:spcPct val="100000"/>
+              </a:lnSpc>
+            </a:pPr>
+            <a:endParaRPr b="0" lang="pt-BR" sz="2000" spc="-1" strike="noStrike">
+              <a:solidFill>
+                <a:srgbClr val="000000"/>
+              </a:solidFill>
+              <a:latin typeface="Arial"/>
+            </a:endParaRPr>
+          </a:p>
+          <a:p>
+            <a:pPr>
+              <a:lnSpc>
+                <a:spcPct val="100000"/>
+              </a:lnSpc>
+            </a:pPr>
+            <a:endParaRPr b="0" lang="pt-BR" sz="2000" spc="-1" strike="noStrike">
+              <a:solidFill>
+                <a:srgbClr val="000000"/>
+              </a:solidFill>
+              <a:latin typeface="Arial"/>
+            </a:endParaRPr>
+          </a:p>
+          <a:p>
+            <a:pPr>
+              <a:lnSpc>
+                <a:spcPct val="100000"/>
+              </a:lnSpc>
+            </a:pPr>
+            <a:endParaRPr b="0" lang="pt-BR" sz="2000" spc="-1" strike="noStrike">
+              <a:solidFill>
+                <a:srgbClr val="000000"/>
+              </a:solidFill>
+              <a:latin typeface="Arial"/>
+            </a:endParaRPr>
+          </a:p>
+          <a:p>
+            <a:pPr>
+              <a:lnSpc>
+                <a:spcPct val="100000"/>
+              </a:lnSpc>
+            </a:pPr>
+            <a:endParaRPr b="0" lang="pt-BR" sz="2000" spc="-1" strike="noStrike">
+              <a:solidFill>
+                <a:srgbClr val="000000"/>
+              </a:solidFill>
+              <a:latin typeface="Arial"/>
+            </a:endParaRPr>
+          </a:p>
+          <a:p>
+            <a:pPr>
+              <a:lnSpc>
+                <a:spcPct val="100000"/>
+              </a:lnSpc>
+            </a:pPr>
+            <a:endParaRPr b="0" lang="pt-BR" sz="2000" spc="-1" strike="noStrike">
+              <a:solidFill>
+                <a:srgbClr val="000000"/>
+              </a:solidFill>
+              <a:latin typeface="Arial"/>
+            </a:endParaRPr>
+          </a:p>
+          <a:p>
+            <a:pPr>
+              <a:lnSpc>
+                <a:spcPct val="100000"/>
+              </a:lnSpc>
+            </a:pPr>
+            <a:endParaRPr b="0" lang="pt-BR" sz="2000" spc="-1" strike="noStrike">
+              <a:solidFill>
+                <a:srgbClr val="000000"/>
+              </a:solidFill>
+              <a:latin typeface="Arial"/>
+            </a:endParaRPr>
+          </a:p>
+          <a:p>
+            <a:pPr>
+              <a:lnSpc>
+                <a:spcPct val="100000"/>
+              </a:lnSpc>
+            </a:pPr>
+            <a:endParaRPr b="0" lang="pt-BR" sz="2000" spc="-1" strike="noStrike">
+              <a:solidFill>
+                <a:srgbClr val="000000"/>
+              </a:solidFill>
+              <a:latin typeface="Arial"/>
+            </a:endParaRPr>
+          </a:p>
+          <a:p>
+            <a:pPr>
+              <a:lnSpc>
+                <a:spcPct val="100000"/>
+              </a:lnSpc>
+            </a:pPr>
+            <a:endParaRPr b="0" lang="pt-BR" sz="2000" spc="-1" strike="noStrike">
+              <a:solidFill>
+                <a:srgbClr val="000000"/>
+              </a:solidFill>
+              <a:latin typeface="Arial"/>
+            </a:endParaRPr>
+          </a:p>
+          <a:p>
+            <a:pPr>
+              <a:lnSpc>
+                <a:spcPct val="100000"/>
+              </a:lnSpc>
+            </a:pPr>
+            <a:endParaRPr b="0" lang="pt-BR" sz="2000" spc="-1" strike="noStrike">
+              <a:solidFill>
+                <a:srgbClr val="000000"/>
+              </a:solidFill>
+              <a:latin typeface="Arial"/>
+            </a:endParaRPr>
+          </a:p>
+          <a:p>
+            <a:pPr>
+              <a:lnSpc>
+                <a:spcPct val="100000"/>
+              </a:lnSpc>
+            </a:pPr>
+            <a:endParaRPr b="0" lang="pt-BR" sz="2000" spc="-1" strike="noStrike">
+              <a:solidFill>
+                <a:srgbClr val="000000"/>
+              </a:solidFill>
+              <a:latin typeface="Arial"/>
+            </a:endParaRPr>
+          </a:p>
+          <a:p>
+            <a:pPr>
+              <a:lnSpc>
+                <a:spcPct val="100000"/>
+              </a:lnSpc>
+            </a:pPr>
+            <a:endParaRPr b="0" lang="pt-BR" sz="2000" spc="-1" strike="noStrike">
+              <a:solidFill>
+                <a:srgbClr val="000000"/>
+              </a:solidFill>
+              <a:latin typeface="Arial"/>
+            </a:endParaRPr>
+          </a:p>
+          <a:p>
+            <a:pPr>
+              <a:lnSpc>
+                <a:spcPct val="100000"/>
+              </a:lnSpc>
+            </a:pPr>
+            <a:endParaRPr b="0" lang="pt-BR" sz="2000" spc="-1" strike="noStrike">
+              <a:solidFill>
+                <a:srgbClr val="000000"/>
+              </a:solidFill>
+              <a:latin typeface="Arial"/>
+            </a:endParaRPr>
+          </a:p>
+          <a:p>
+            <a:pPr>
+              <a:lnSpc>
+                <a:spcPct val="100000"/>
+              </a:lnSpc>
+            </a:pPr>
+            <a:endParaRPr b="0" lang="pt-BR" sz="2000" spc="-1" strike="noStrike">
+              <a:solidFill>
+                <a:srgbClr val="000000"/>
+              </a:solidFill>
+              <a:latin typeface="Arial"/>
+            </a:endParaRPr>
+          </a:p>
+          <a:p>
+            <a:pPr>
+              <a:lnSpc>
+                <a:spcPct val="100000"/>
+              </a:lnSpc>
+            </a:pPr>
+            <a:endParaRPr b="0" lang="pt-BR" sz="2000" spc="-1" strike="noStrike">
+              <a:solidFill>
+                <a:srgbClr val="000000"/>
+              </a:solidFill>
+              <a:latin typeface="Arial"/>
+            </a:endParaRPr>
+          </a:p>
+          <a:p>
+            <a:pPr>
+              <a:lnSpc>
+                <a:spcPct val="100000"/>
+              </a:lnSpc>
+            </a:pPr>
+            <a:endParaRPr b="0" lang="pt-BR" sz="2000" spc="-1" strike="noStrike">
+              <a:solidFill>
+                <a:srgbClr val="000000"/>
+              </a:solidFill>
+              <a:latin typeface="Arial"/>
             </a:endParaRPr>
           </a:p>
         </p:txBody>
@@ -5128,7 +5035,7 @@
         <p:spPr>
           <a:xfrm>
             <a:off x="7030800" y="1582200"/>
-            <a:ext cx="6092640" cy="2223720"/>
+            <a:ext cx="6092280" cy="2223360"/>
           </a:xfrm>
           <a:prstGeom prst="rect">
             <a:avLst/>
@@ -5154,110 +5061,89 @@
                 <a:spcPct val="100000"/>
               </a:lnSpc>
             </a:pPr>
-            <a:endParaRPr b="1" lang="pt-BR" sz="1800" spc="-1" strike="noStrike">
-              <a:solidFill>
-                <a:srgbClr val="ffff00"/>
-              </a:solidFill>
-              <a:highlight>
-                <a:srgbClr val="111111"/>
-              </a:highlight>
-              <a:latin typeface="Verdana"/>
-            </a:endParaRPr>
-          </a:p>
-          <a:p>
-            <a:pPr>
-              <a:lnSpc>
-                <a:spcPct val="100000"/>
-              </a:lnSpc>
-            </a:pPr>
-            <a:endParaRPr b="1" lang="pt-BR" sz="1800" spc="-1" strike="noStrike">
-              <a:solidFill>
-                <a:srgbClr val="ffff00"/>
-              </a:solidFill>
-              <a:highlight>
-                <a:srgbClr val="111111"/>
-              </a:highlight>
-              <a:latin typeface="Verdana"/>
-            </a:endParaRPr>
-          </a:p>
-          <a:p>
-            <a:pPr>
-              <a:lnSpc>
-                <a:spcPct val="100000"/>
-              </a:lnSpc>
-            </a:pPr>
-            <a:endParaRPr b="1" lang="pt-BR" sz="1800" spc="-1" strike="noStrike">
-              <a:solidFill>
-                <a:srgbClr val="ffff00"/>
-              </a:solidFill>
-              <a:highlight>
-                <a:srgbClr val="111111"/>
-              </a:highlight>
-              <a:latin typeface="Verdana"/>
-            </a:endParaRPr>
-          </a:p>
-          <a:p>
-            <a:pPr>
-              <a:lnSpc>
-                <a:spcPct val="100000"/>
-              </a:lnSpc>
-            </a:pPr>
-            <a:endParaRPr b="1" lang="pt-BR" sz="1800" spc="-1" strike="noStrike">
-              <a:solidFill>
-                <a:srgbClr val="ffff00"/>
-              </a:solidFill>
-              <a:highlight>
-                <a:srgbClr val="111111"/>
-              </a:highlight>
-              <a:latin typeface="Verdana"/>
-            </a:endParaRPr>
-          </a:p>
-          <a:p>
-            <a:pPr>
-              <a:lnSpc>
-                <a:spcPct val="100000"/>
-              </a:lnSpc>
-            </a:pPr>
-            <a:endParaRPr b="1" lang="pt-BR" sz="1800" spc="-1" strike="noStrike">
-              <a:solidFill>
-                <a:srgbClr val="ffff00"/>
-              </a:solidFill>
-              <a:highlight>
-                <a:srgbClr val="111111"/>
-              </a:highlight>
-              <a:latin typeface="Verdana"/>
-            </a:endParaRPr>
-          </a:p>
-          <a:p>
-            <a:pPr>
-              <a:lnSpc>
-                <a:spcPct val="100000"/>
-              </a:lnSpc>
-            </a:pPr>
-            <a:endParaRPr b="1" lang="pt-BR" sz="1800" spc="-1" strike="noStrike">
-              <a:solidFill>
-                <a:srgbClr val="ffff00"/>
-              </a:solidFill>
-              <a:highlight>
-                <a:srgbClr val="111111"/>
-              </a:highlight>
-              <a:latin typeface="Verdana"/>
-            </a:endParaRPr>
-          </a:p>
-          <a:p>
-            <a:pPr>
-              <a:lnSpc>
-                <a:spcPct val="100000"/>
-              </a:lnSpc>
-            </a:pPr>
-            <a:endParaRPr b="1" lang="pt-BR" sz="1800" spc="-1" strike="noStrike">
-              <a:solidFill>
-                <a:srgbClr val="ffff00"/>
-              </a:solidFill>
-              <a:highlight>
-                <a:srgbClr val="111111"/>
-              </a:highlight>
-              <a:latin typeface="Verdana"/>
+            <a:endParaRPr b="0" lang="pt-BR" sz="1800" spc="-1" strike="noStrike">
+              <a:solidFill>
+                <a:srgbClr val="000000"/>
+              </a:solidFill>
+              <a:latin typeface="Arial"/>
+            </a:endParaRPr>
+          </a:p>
+          <a:p>
+            <a:pPr>
+              <a:lnSpc>
+                <a:spcPct val="100000"/>
+              </a:lnSpc>
+            </a:pPr>
+            <a:endParaRPr b="0" lang="pt-BR" sz="1800" spc="-1" strike="noStrike">
+              <a:solidFill>
+                <a:srgbClr val="000000"/>
+              </a:solidFill>
+              <a:latin typeface="Arial"/>
+            </a:endParaRPr>
+          </a:p>
+          <a:p>
+            <a:pPr>
+              <a:lnSpc>
+                <a:spcPct val="100000"/>
+              </a:lnSpc>
+            </a:pPr>
+            <a:endParaRPr b="0" lang="pt-BR" sz="1800" spc="-1" strike="noStrike">
+              <a:solidFill>
+                <a:srgbClr val="000000"/>
+              </a:solidFill>
+              <a:latin typeface="Arial"/>
+            </a:endParaRPr>
+          </a:p>
+          <a:p>
+            <a:pPr>
+              <a:lnSpc>
+                <a:spcPct val="100000"/>
+              </a:lnSpc>
+            </a:pPr>
+            <a:endParaRPr b="0" lang="pt-BR" sz="1800" spc="-1" strike="noStrike">
+              <a:solidFill>
+                <a:srgbClr val="000000"/>
+              </a:solidFill>
+              <a:latin typeface="Arial"/>
+            </a:endParaRPr>
+          </a:p>
+          <a:p>
+            <a:pPr>
+              <a:lnSpc>
+                <a:spcPct val="100000"/>
+              </a:lnSpc>
+            </a:pPr>
+            <a:endParaRPr b="0" lang="pt-BR" sz="1800" spc="-1" strike="noStrike">
+              <a:solidFill>
+                <a:srgbClr val="000000"/>
+              </a:solidFill>
+              <a:latin typeface="Arial"/>
+            </a:endParaRPr>
+          </a:p>
+          <a:p>
+            <a:pPr>
+              <a:lnSpc>
+                <a:spcPct val="100000"/>
+              </a:lnSpc>
+            </a:pPr>
+            <a:endParaRPr b="0" lang="pt-BR" sz="1800" spc="-1" strike="noStrike">
+              <a:solidFill>
+                <a:srgbClr val="000000"/>
+              </a:solidFill>
+              <a:latin typeface="Arial"/>
+            </a:endParaRPr>
+          </a:p>
+          <a:p>
+            <a:pPr>
+              <a:lnSpc>
+                <a:spcPct val="100000"/>
+              </a:lnSpc>
+            </a:pPr>
+            <a:endParaRPr b="0" lang="pt-BR" sz="1800" spc="-1" strike="noStrike">
+              <a:solidFill>
+                <a:srgbClr val="000000"/>
+              </a:solidFill>
+              <a:latin typeface="Arial"/>
             </a:endParaRPr>
           </a:p>
         </p:txBody>
@@ -5301,7 +5187,7 @@
         <p:spPr>
           <a:xfrm>
             <a:off x="360720" y="360000"/>
-            <a:ext cx="7199280" cy="6350760"/>
+            <a:ext cx="7198920" cy="6350400"/>
           </a:xfrm>
           <a:prstGeom prst="rect">
             <a:avLst/>
@@ -5340,30 +5226,24 @@
               </a:rPr>
               <a:t>Analise Estática</a:t>
             </a:r>
-            <a:endParaRPr b="1" lang="pt-BR" sz="2400" spc="-1" strike="noStrike">
-              <a:solidFill>
-                <a:srgbClr val="ffff00"/>
-              </a:solidFill>
-              <a:highlight>
-                <a:srgbClr val="111111"/>
-              </a:highlight>
-              <a:latin typeface="Verdana"/>
-            </a:endParaRPr>
-          </a:p>
-          <a:p>
-            <a:pPr>
-              <a:lnSpc>
-                <a:spcPct val="100000"/>
-              </a:lnSpc>
-            </a:pPr>
-            <a:endParaRPr b="1" lang="pt-BR" sz="2400" spc="-1" strike="noStrike">
-              <a:solidFill>
-                <a:srgbClr val="ffff00"/>
-              </a:solidFill>
-              <a:highlight>
-                <a:srgbClr val="111111"/>
-              </a:highlight>
-              <a:latin typeface="Verdana"/>
+            <a:endParaRPr b="0" lang="pt-BR" sz="2400" spc="-1" strike="noStrike">
+              <a:solidFill>
+                <a:srgbClr val="000000"/>
+              </a:solidFill>
+              <a:latin typeface="Arial"/>
+            </a:endParaRPr>
+          </a:p>
+          <a:p>
+            <a:pPr>
+              <a:lnSpc>
+                <a:spcPct val="100000"/>
+              </a:lnSpc>
+            </a:pPr>
+            <a:endParaRPr b="0" lang="pt-BR" sz="2400" spc="-1" strike="noStrike">
+              <a:solidFill>
+                <a:srgbClr val="000000"/>
+              </a:solidFill>
+              <a:latin typeface="Arial"/>
             </a:endParaRPr>
           </a:p>
           <a:p>
@@ -5396,16 +5276,13 @@
                 <a:latin typeface="Verdana"/>
                 <a:ea typeface="Verdana"/>
               </a:rPr>
-              <a:t>Para se ter um código de qualidade é necessário que  haja um processo de validação e verificação, e dentro deste processo temos a análise estática para inspecionar este código de maneira automatizada,enxergando falhas sem que o software esteja completamente desenvolvido e em execução, reduzindo custos  e otimizando processos.</a:t>
+              <a:t>Para se ter um código de qualidade um processo de suma importância será executado  denominado processo de validação e verificação, e dentro deste processo temos a análise estática para inspecionar este código de maneira automatizada,enxergando falhas sem que o software esteja completamente desenvolvido e em execução, reduzindo custos  e otimizando processos.</a:t>
             </a:r>
-            <a:endParaRPr b="1" lang="pt-BR" sz="2100" spc="-1" strike="noStrike">
-              <a:solidFill>
-                <a:srgbClr val="ffff00"/>
-              </a:solidFill>
-              <a:highlight>
-                <a:srgbClr val="111111"/>
-              </a:highlight>
-              <a:latin typeface="Verdana"/>
+            <a:endParaRPr b="0" lang="pt-BR" sz="2100" spc="-1" strike="noStrike">
+              <a:solidFill>
+                <a:srgbClr val="000000"/>
+              </a:solidFill>
+              <a:latin typeface="Arial"/>
             </a:endParaRPr>
           </a:p>
           <a:p>
@@ -5440,126 +5317,102 @@
               </a:rPr>
               <a:t>Com a utilização da análise estática temos a redução de erros.</a:t>
             </a:r>
-            <a:endParaRPr b="1" lang="pt-BR" sz="2100" spc="-1" strike="noStrike">
-              <a:solidFill>
-                <a:srgbClr val="ffff00"/>
-              </a:solidFill>
-              <a:highlight>
-                <a:srgbClr val="111111"/>
-              </a:highlight>
-              <a:latin typeface="Verdana"/>
-            </a:endParaRPr>
-          </a:p>
-          <a:p>
-            <a:pPr>
-              <a:lnSpc>
-                <a:spcPct val="100000"/>
-              </a:lnSpc>
-            </a:pPr>
-            <a:endParaRPr b="1" lang="pt-BR" sz="2100" spc="-1" strike="noStrike">
-              <a:solidFill>
-                <a:srgbClr val="ffff00"/>
-              </a:solidFill>
-              <a:highlight>
-                <a:srgbClr val="111111"/>
-              </a:highlight>
-              <a:latin typeface="Verdana"/>
-            </a:endParaRPr>
-          </a:p>
-          <a:p>
-            <a:pPr>
-              <a:lnSpc>
-                <a:spcPct val="100000"/>
-              </a:lnSpc>
-            </a:pPr>
-            <a:endParaRPr b="1" lang="pt-BR" sz="2100" spc="-1" strike="noStrike">
-              <a:solidFill>
-                <a:srgbClr val="ffff00"/>
-              </a:solidFill>
-              <a:highlight>
-                <a:srgbClr val="111111"/>
-              </a:highlight>
-              <a:latin typeface="Verdana"/>
-            </a:endParaRPr>
-          </a:p>
-          <a:p>
-            <a:pPr>
-              <a:lnSpc>
-                <a:spcPct val="100000"/>
-              </a:lnSpc>
-            </a:pPr>
-            <a:endParaRPr b="1" lang="pt-BR" sz="2100" spc="-1" strike="noStrike">
-              <a:solidFill>
-                <a:srgbClr val="ffff00"/>
-              </a:solidFill>
-              <a:highlight>
-                <a:srgbClr val="111111"/>
-              </a:highlight>
-              <a:latin typeface="Verdana"/>
-            </a:endParaRPr>
-          </a:p>
-          <a:p>
-            <a:pPr>
-              <a:lnSpc>
-                <a:spcPct val="100000"/>
-              </a:lnSpc>
-            </a:pPr>
-            <a:endParaRPr b="1" lang="pt-BR" sz="2100" spc="-1" strike="noStrike">
-              <a:solidFill>
-                <a:srgbClr val="ffff00"/>
-              </a:solidFill>
-              <a:highlight>
-                <a:srgbClr val="111111"/>
-              </a:highlight>
-              <a:latin typeface="Verdana"/>
-            </a:endParaRPr>
-          </a:p>
-          <a:p>
-            <a:pPr>
-              <a:lnSpc>
-                <a:spcPct val="100000"/>
-              </a:lnSpc>
-            </a:pPr>
-            <a:endParaRPr b="1" lang="pt-BR" sz="2100" spc="-1" strike="noStrike">
-              <a:solidFill>
-                <a:srgbClr val="ffff00"/>
-              </a:solidFill>
-              <a:highlight>
-                <a:srgbClr val="111111"/>
-              </a:highlight>
-              <a:latin typeface="Verdana"/>
-            </a:endParaRPr>
-          </a:p>
-          <a:p>
-            <a:pPr>
-              <a:lnSpc>
-                <a:spcPct val="100000"/>
-              </a:lnSpc>
-            </a:pPr>
-            <a:endParaRPr b="1" lang="pt-BR" sz="2100" spc="-1" strike="noStrike">
-              <a:solidFill>
-                <a:srgbClr val="ffff00"/>
-              </a:solidFill>
-              <a:highlight>
-                <a:srgbClr val="111111"/>
-              </a:highlight>
-              <a:latin typeface="Verdana"/>
-            </a:endParaRPr>
-          </a:p>
-          <a:p>
-            <a:pPr>
-              <a:lnSpc>
-                <a:spcPct val="100000"/>
-              </a:lnSpc>
-            </a:pPr>
-            <a:endParaRPr b="1" lang="pt-BR" sz="2100" spc="-1" strike="noStrike">
-              <a:solidFill>
-                <a:srgbClr val="ffff00"/>
-              </a:solidFill>
-              <a:highlight>
-                <a:srgbClr val="111111"/>
-              </a:highlight>
-              <a:latin typeface="Verdana"/>
+            <a:endParaRPr b="0" lang="pt-BR" sz="2100" spc="-1" strike="noStrike">
+              <a:solidFill>
+                <a:srgbClr val="000000"/>
+              </a:solidFill>
+              <a:latin typeface="Arial"/>
+            </a:endParaRPr>
+          </a:p>
+          <a:p>
+            <a:pPr>
+              <a:lnSpc>
+                <a:spcPct val="100000"/>
+              </a:lnSpc>
+            </a:pPr>
+            <a:endParaRPr b="0" lang="pt-BR" sz="2100" spc="-1" strike="noStrike">
+              <a:solidFill>
+                <a:srgbClr val="000000"/>
+              </a:solidFill>
+              <a:latin typeface="Arial"/>
+            </a:endParaRPr>
+          </a:p>
+          <a:p>
+            <a:pPr>
+              <a:lnSpc>
+                <a:spcPct val="100000"/>
+              </a:lnSpc>
+            </a:pPr>
+            <a:endParaRPr b="0" lang="pt-BR" sz="2100" spc="-1" strike="noStrike">
+              <a:solidFill>
+                <a:srgbClr val="000000"/>
+              </a:solidFill>
+              <a:latin typeface="Arial"/>
+            </a:endParaRPr>
+          </a:p>
+          <a:p>
+            <a:pPr>
+              <a:lnSpc>
+                <a:spcPct val="100000"/>
+              </a:lnSpc>
+            </a:pPr>
+            <a:endParaRPr b="0" lang="pt-BR" sz="2100" spc="-1" strike="noStrike">
+              <a:solidFill>
+                <a:srgbClr val="000000"/>
+              </a:solidFill>
+              <a:latin typeface="Arial"/>
+            </a:endParaRPr>
+          </a:p>
+          <a:p>
+            <a:pPr>
+              <a:lnSpc>
+                <a:spcPct val="100000"/>
+              </a:lnSpc>
+            </a:pPr>
+            <a:endParaRPr b="0" lang="pt-BR" sz="2100" spc="-1" strike="noStrike">
+              <a:solidFill>
+                <a:srgbClr val="000000"/>
+              </a:solidFill>
+              <a:latin typeface="Arial"/>
+            </a:endParaRPr>
+          </a:p>
+          <a:p>
+            <a:pPr>
+              <a:lnSpc>
+                <a:spcPct val="100000"/>
+              </a:lnSpc>
+            </a:pPr>
+            <a:endParaRPr b="0" lang="pt-BR" sz="2100" spc="-1" strike="noStrike">
+              <a:solidFill>
+                <a:srgbClr val="000000"/>
+              </a:solidFill>
+              <a:latin typeface="Arial"/>
+            </a:endParaRPr>
+          </a:p>
+          <a:p>
+            <a:pPr>
+              <a:lnSpc>
+                <a:spcPct val="100000"/>
+              </a:lnSpc>
+            </a:pPr>
+            <a:endParaRPr b="0" lang="pt-BR" sz="2100" spc="-1" strike="noStrike">
+              <a:solidFill>
+                <a:srgbClr val="000000"/>
+              </a:solidFill>
+              <a:latin typeface="Arial"/>
+            </a:endParaRPr>
+          </a:p>
+          <a:p>
+            <a:pPr>
+              <a:lnSpc>
+                <a:spcPct val="100000"/>
+              </a:lnSpc>
+            </a:pPr>
+            <a:endParaRPr b="0" lang="pt-BR" sz="2100" spc="-1" strike="noStrike">
+              <a:solidFill>
+                <a:srgbClr val="000000"/>
+              </a:solidFill>
+              <a:latin typeface="Arial"/>
             </a:endParaRPr>
           </a:p>
         </p:txBody>
@@ -5603,7 +5456,7 @@
         <p:spPr>
           <a:xfrm>
             <a:off x="360000" y="360000"/>
-            <a:ext cx="6819840" cy="3794400"/>
+            <a:ext cx="6819480" cy="3794040"/>
           </a:xfrm>
           <a:prstGeom prst="rect">
             <a:avLst/>
@@ -5642,14 +5495,11 @@
               </a:rPr>
               <a:t>Benefícios da Analise estática</a:t>
             </a:r>
-            <a:endParaRPr b="1" lang="pt-BR" sz="2400" spc="-1" strike="noStrike">
-              <a:solidFill>
-                <a:srgbClr val="ffff00"/>
-              </a:solidFill>
-              <a:highlight>
-                <a:srgbClr val="111111"/>
-              </a:highlight>
-              <a:latin typeface="Verdana"/>
+            <a:endParaRPr b="0" lang="pt-BR" sz="2400" spc="-1" strike="noStrike">
+              <a:solidFill>
+                <a:srgbClr val="000000"/>
+              </a:solidFill>
+              <a:latin typeface="Arial"/>
             </a:endParaRPr>
           </a:p>
           <a:p>
@@ -5671,14 +5521,11 @@
               </a:rPr>
               <a:t>Facilidade de encontrar erros</a:t>
             </a:r>
-            <a:endParaRPr b="1" lang="pt-BR" sz="2100" spc="-1" strike="noStrike">
-              <a:solidFill>
-                <a:srgbClr val="ffff00"/>
-              </a:solidFill>
-              <a:highlight>
-                <a:srgbClr val="111111"/>
-              </a:highlight>
-              <a:latin typeface="Verdana"/>
+            <a:endParaRPr b="0" lang="pt-BR" sz="2100" spc="-1" strike="noStrike">
+              <a:solidFill>
+                <a:srgbClr val="000000"/>
+              </a:solidFill>
+              <a:latin typeface="Arial"/>
             </a:endParaRPr>
           </a:p>
           <a:p>
@@ -5700,14 +5547,11 @@
               </a:rPr>
               <a:t>Visão objetiva de onde pode ter falhado.</a:t>
             </a:r>
-            <a:endParaRPr b="1" lang="pt-BR" sz="2100" spc="-1" strike="noStrike">
-              <a:solidFill>
-                <a:srgbClr val="ffff00"/>
-              </a:solidFill>
-              <a:highlight>
-                <a:srgbClr val="111111"/>
-              </a:highlight>
-              <a:latin typeface="Verdana"/>
+            <a:endParaRPr b="0" lang="pt-BR" sz="2100" spc="-1" strike="noStrike">
+              <a:solidFill>
+                <a:srgbClr val="000000"/>
+              </a:solidFill>
+              <a:latin typeface="Arial"/>
             </a:endParaRPr>
           </a:p>
           <a:p>
@@ -5729,14 +5573,11 @@
               </a:rPr>
               <a:t>Perspectiva diferente para facilitar estudos.</a:t>
             </a:r>
-            <a:endParaRPr b="1" lang="pt-BR" sz="2100" spc="-1" strike="noStrike">
-              <a:solidFill>
-                <a:srgbClr val="ffff00"/>
-              </a:solidFill>
-              <a:highlight>
-                <a:srgbClr val="111111"/>
-              </a:highlight>
-              <a:latin typeface="Verdana"/>
+            <a:endParaRPr b="0" lang="pt-BR" sz="2100" spc="-1" strike="noStrike">
+              <a:solidFill>
+                <a:srgbClr val="000000"/>
+              </a:solidFill>
+              <a:latin typeface="Arial"/>
             </a:endParaRPr>
           </a:p>
           <a:p>
@@ -5758,30 +5599,24 @@
               </a:rPr>
               <a:t>Foco em outros tipos de eficiencia, sabendo que eventuais erros são mitigados.</a:t>
             </a:r>
-            <a:endParaRPr b="1" lang="pt-BR" sz="2100" spc="-1" strike="noStrike">
-              <a:solidFill>
-                <a:srgbClr val="ffff00"/>
-              </a:solidFill>
-              <a:highlight>
-                <a:srgbClr val="111111"/>
-              </a:highlight>
-              <a:latin typeface="Verdana"/>
-            </a:endParaRPr>
-          </a:p>
-          <a:p>
-            <a:pPr>
-              <a:lnSpc>
-                <a:spcPct val="100000"/>
-              </a:lnSpc>
-            </a:pPr>
-            <a:endParaRPr b="1" lang="pt-BR" sz="2100" spc="-1" strike="noStrike">
-              <a:solidFill>
-                <a:srgbClr val="ffff00"/>
-              </a:solidFill>
-              <a:highlight>
-                <a:srgbClr val="111111"/>
-              </a:highlight>
-              <a:latin typeface="Verdana"/>
+            <a:endParaRPr b="0" lang="pt-BR" sz="2100" spc="-1" strike="noStrike">
+              <a:solidFill>
+                <a:srgbClr val="000000"/>
+              </a:solidFill>
+              <a:latin typeface="Arial"/>
+            </a:endParaRPr>
+          </a:p>
+          <a:p>
+            <a:pPr>
+              <a:lnSpc>
+                <a:spcPct val="100000"/>
+              </a:lnSpc>
+            </a:pPr>
+            <a:endParaRPr b="0" lang="pt-BR" sz="2100" spc="-1" strike="noStrike">
+              <a:solidFill>
+                <a:srgbClr val="000000"/>
+              </a:solidFill>
+              <a:latin typeface="Arial"/>
             </a:endParaRPr>
           </a:p>
           <a:p>
@@ -5803,14 +5638,11 @@
               </a:rPr>
               <a:t>Algumas métricas medidas pela Analise estática</a:t>
             </a:r>
-            <a:endParaRPr b="1" lang="pt-BR" sz="2400" spc="-1" strike="noStrike">
-              <a:solidFill>
-                <a:srgbClr val="ffff00"/>
-              </a:solidFill>
-              <a:highlight>
-                <a:srgbClr val="111111"/>
-              </a:highlight>
-              <a:latin typeface="Verdana"/>
+            <a:endParaRPr b="0" lang="pt-BR" sz="2400" spc="-1" strike="noStrike">
+              <a:solidFill>
+                <a:srgbClr val="000000"/>
+              </a:solidFill>
+              <a:latin typeface="Arial"/>
             </a:endParaRPr>
           </a:p>
           <a:p>
@@ -5832,14 +5664,11 @@
               </a:rPr>
               <a:t>Números de linhas de código</a:t>
             </a:r>
-            <a:endParaRPr b="1" lang="pt-BR" sz="2100" spc="-1" strike="noStrike">
-              <a:solidFill>
-                <a:srgbClr val="ffff00"/>
-              </a:solidFill>
-              <a:highlight>
-                <a:srgbClr val="111111"/>
-              </a:highlight>
-              <a:latin typeface="Verdana"/>
+            <a:endParaRPr b="0" lang="pt-BR" sz="2100" spc="-1" strike="noStrike">
+              <a:solidFill>
+                <a:srgbClr val="000000"/>
+              </a:solidFill>
+              <a:latin typeface="Arial"/>
             </a:endParaRPr>
           </a:p>
           <a:p>
@@ -5861,14 +5690,11 @@
               </a:rPr>
               <a:t>Complexidade ciclomática</a:t>
             </a:r>
-            <a:endParaRPr b="1" lang="pt-BR" sz="2100" spc="-1" strike="noStrike">
-              <a:solidFill>
-                <a:srgbClr val="ffff00"/>
-              </a:solidFill>
-              <a:highlight>
-                <a:srgbClr val="111111"/>
-              </a:highlight>
-              <a:latin typeface="Verdana"/>
+            <a:endParaRPr b="0" lang="pt-BR" sz="2100" spc="-1" strike="noStrike">
+              <a:solidFill>
+                <a:srgbClr val="000000"/>
+              </a:solidFill>
+              <a:latin typeface="Arial"/>
             </a:endParaRPr>
           </a:p>
           <a:p>
@@ -5890,30 +5716,24 @@
               </a:rPr>
               <a:t>Falta de coesão em metodos.</a:t>
             </a:r>
-            <a:endParaRPr b="1" lang="pt-BR" sz="2100" spc="-1" strike="noStrike">
-              <a:solidFill>
-                <a:srgbClr val="ffff00"/>
-              </a:solidFill>
-              <a:highlight>
-                <a:srgbClr val="111111"/>
-              </a:highlight>
-              <a:latin typeface="Verdana"/>
-            </a:endParaRPr>
-          </a:p>
-          <a:p>
-            <a:pPr>
-              <a:lnSpc>
-                <a:spcPct val="100000"/>
-              </a:lnSpc>
-            </a:pPr>
-            <a:endParaRPr b="1" lang="pt-BR" sz="2100" spc="-1" strike="noStrike">
-              <a:solidFill>
-                <a:srgbClr val="ffff00"/>
-              </a:solidFill>
-              <a:highlight>
-                <a:srgbClr val="111111"/>
-              </a:highlight>
-              <a:latin typeface="Verdana"/>
+            <a:endParaRPr b="0" lang="pt-BR" sz="2100" spc="-1" strike="noStrike">
+              <a:solidFill>
+                <a:srgbClr val="000000"/>
+              </a:solidFill>
+              <a:latin typeface="Arial"/>
+            </a:endParaRPr>
+          </a:p>
+          <a:p>
+            <a:pPr>
+              <a:lnSpc>
+                <a:spcPct val="100000"/>
+              </a:lnSpc>
+            </a:pPr>
+            <a:endParaRPr b="0" lang="pt-BR" sz="2100" spc="-1" strike="noStrike">
+              <a:solidFill>
+                <a:srgbClr val="000000"/>
+              </a:solidFill>
+              <a:latin typeface="Arial"/>
             </a:endParaRPr>
           </a:p>
         </p:txBody>
@@ -5957,7 +5777,7 @@
         <p:spPr>
           <a:xfrm>
             <a:off x="360000" y="360000"/>
-            <a:ext cx="6819840" cy="3794400"/>
+            <a:ext cx="6819480" cy="3794040"/>
           </a:xfrm>
           <a:prstGeom prst="rect">
             <a:avLst/>
@@ -5996,14 +5816,11 @@
               </a:rPr>
               <a:t>Rules</a:t>
             </a:r>
-            <a:endParaRPr b="1" lang="pt-BR" sz="2400" spc="-1" strike="noStrike">
-              <a:solidFill>
-                <a:srgbClr val="ffff00"/>
-              </a:solidFill>
-              <a:highlight>
-                <a:srgbClr val="111111"/>
-              </a:highlight>
-              <a:latin typeface="Verdana"/>
+            <a:endParaRPr b="0" lang="pt-BR" sz="2400" spc="-1" strike="noStrike">
+              <a:solidFill>
+                <a:srgbClr val="000000"/>
+              </a:solidFill>
+              <a:latin typeface="Arial"/>
             </a:endParaRPr>
           </a:p>
           <a:p>
@@ -6038,14 +5855,11 @@
               </a:rPr>
               <a:t>Regras especificas de cada análise que encontra e categoriza os code smells.</a:t>
             </a:r>
-            <a:endParaRPr b="1" lang="pt-BR" sz="2100" spc="-1" strike="noStrike">
-              <a:solidFill>
-                <a:srgbClr val="ffff00"/>
-              </a:solidFill>
-              <a:highlight>
-                <a:srgbClr val="111111"/>
-              </a:highlight>
-              <a:latin typeface="Verdana"/>
+            <a:endParaRPr b="0" lang="pt-BR" sz="2100" spc="-1" strike="noStrike">
+              <a:solidFill>
+                <a:srgbClr val="000000"/>
+              </a:solidFill>
+              <a:latin typeface="Arial"/>
             </a:endParaRPr>
           </a:p>
           <a:p>
@@ -6067,30 +5881,24 @@
               </a:rPr>
               <a:t>Estas ferramentas possibilitam as empresas ativar e inativar estas regras ou ate mesmo inserir suas próprias regras se assim acharem necessário.</a:t>
             </a:r>
-            <a:endParaRPr b="1" lang="pt-BR" sz="2100" spc="-1" strike="noStrike">
-              <a:solidFill>
-                <a:srgbClr val="ffff00"/>
-              </a:solidFill>
-              <a:highlight>
-                <a:srgbClr val="111111"/>
-              </a:highlight>
-              <a:latin typeface="Verdana"/>
-            </a:endParaRPr>
-          </a:p>
-          <a:p>
-            <a:pPr>
-              <a:lnSpc>
-                <a:spcPct val="100000"/>
-              </a:lnSpc>
-            </a:pPr>
-            <a:endParaRPr b="1" lang="pt-BR" sz="2100" spc="-1" strike="noStrike">
-              <a:solidFill>
-                <a:srgbClr val="ffff00"/>
-              </a:solidFill>
-              <a:highlight>
-                <a:srgbClr val="111111"/>
-              </a:highlight>
-              <a:latin typeface="Verdana"/>
+            <a:endParaRPr b="0" lang="pt-BR" sz="2100" spc="-1" strike="noStrike">
+              <a:solidFill>
+                <a:srgbClr val="000000"/>
+              </a:solidFill>
+              <a:latin typeface="Arial"/>
+            </a:endParaRPr>
+          </a:p>
+          <a:p>
+            <a:pPr>
+              <a:lnSpc>
+                <a:spcPct val="100000"/>
+              </a:lnSpc>
+            </a:pPr>
+            <a:endParaRPr b="0" lang="pt-BR" sz="2100" spc="-1" strike="noStrike">
+              <a:solidFill>
+                <a:srgbClr val="000000"/>
+              </a:solidFill>
+              <a:latin typeface="Arial"/>
             </a:endParaRPr>
           </a:p>
           <a:p>
@@ -6112,14 +5920,11 @@
               </a:rPr>
               <a:t>Code Smell</a:t>
             </a:r>
-            <a:endParaRPr b="1" lang="pt-BR" sz="2400" spc="-1" strike="noStrike">
-              <a:solidFill>
-                <a:srgbClr val="ffff00"/>
-              </a:solidFill>
-              <a:highlight>
-                <a:srgbClr val="111111"/>
-              </a:highlight>
-              <a:latin typeface="Verdana"/>
+            <a:endParaRPr b="0" lang="pt-BR" sz="2400" spc="-1" strike="noStrike">
+              <a:solidFill>
+                <a:srgbClr val="000000"/>
+              </a:solidFill>
+              <a:latin typeface="Arial"/>
             </a:endParaRPr>
           </a:p>
           <a:p>
@@ -6154,14 +5959,11 @@
               </a:rPr>
               <a:t>O code smell significa o cheiro de codigo, ou seja de algo que precisa ser melhorado as falhas que são encontradas no sistema que são sempre a causa de outras falhas existentes  e que podem piorar ainda mais a situação se não são resolvidas.</a:t>
             </a:r>
-            <a:endParaRPr b="1" lang="pt-BR" sz="2400" spc="-1" strike="noStrike">
-              <a:solidFill>
-                <a:srgbClr val="ffff00"/>
-              </a:solidFill>
-              <a:highlight>
-                <a:srgbClr val="111111"/>
-              </a:highlight>
-              <a:latin typeface="Verdana"/>
+            <a:endParaRPr b="0" lang="pt-BR" sz="2400" spc="-1" strike="noStrike">
+              <a:solidFill>
+                <a:srgbClr val="000000"/>
+              </a:solidFill>
+              <a:latin typeface="Arial"/>
             </a:endParaRPr>
           </a:p>
         </p:txBody>
@@ -6209,7 +6011,7 @@
         <p:spPr>
           <a:xfrm>
             <a:off x="1260000" y="1620000"/>
-            <a:ext cx="8999280" cy="3779280"/>
+            <a:ext cx="8998920" cy="3778920"/>
           </a:xfrm>
           <a:prstGeom prst="rect">
             <a:avLst/>
@@ -6228,7 +6030,7 @@
         <p:spPr>
           <a:xfrm>
             <a:off x="2039040" y="900000"/>
-            <a:ext cx="5520240" cy="460440"/>
+            <a:ext cx="5519880" cy="460080"/>
           </a:xfrm>
           <a:prstGeom prst="rect">
             <a:avLst/>
@@ -6267,14 +6069,11 @@
               </a:rPr>
               <a:t>Exemplo de code smell</a:t>
             </a:r>
-            <a:endParaRPr b="1" lang="pt-BR" sz="2400" spc="-1" strike="noStrike">
-              <a:solidFill>
-                <a:srgbClr val="ffff00"/>
-              </a:solidFill>
-              <a:highlight>
-                <a:srgbClr val="111111"/>
-              </a:highlight>
-              <a:latin typeface="Verdana"/>
+            <a:endParaRPr b="0" lang="pt-BR" sz="2400" spc="-1" strike="noStrike">
+              <a:solidFill>
+                <a:srgbClr val="000000"/>
+              </a:solidFill>
+              <a:latin typeface="Arial"/>
             </a:endParaRPr>
           </a:p>
         </p:txBody>
@@ -6318,7 +6117,7 @@
         <p:spPr>
           <a:xfrm>
             <a:off x="180000" y="720000"/>
-            <a:ext cx="9179280" cy="3423600"/>
+            <a:ext cx="9178920" cy="3423240"/>
           </a:xfrm>
           <a:prstGeom prst="rect">
             <a:avLst/>
@@ -6357,30 +6156,24 @@
               </a:rPr>
               <a:t>Conclusão.</a:t>
             </a:r>
-            <a:endParaRPr b="1" lang="pt-BR" sz="2400" spc="-1" strike="noStrike">
-              <a:solidFill>
-                <a:srgbClr val="ffff00"/>
-              </a:solidFill>
-              <a:highlight>
-                <a:srgbClr val="111111"/>
-              </a:highlight>
-              <a:latin typeface="Verdana"/>
-            </a:endParaRPr>
-          </a:p>
-          <a:p>
-            <a:pPr>
-              <a:lnSpc>
-                <a:spcPct val="100000"/>
-              </a:lnSpc>
-            </a:pPr>
-            <a:endParaRPr b="1" lang="pt-BR" sz="2400" spc="-1" strike="noStrike">
-              <a:solidFill>
-                <a:srgbClr val="ffff00"/>
-              </a:solidFill>
-              <a:highlight>
-                <a:srgbClr val="111111"/>
-              </a:highlight>
-              <a:latin typeface="Verdana"/>
+            <a:endParaRPr b="0" lang="pt-BR" sz="2400" spc="-1" strike="noStrike">
+              <a:solidFill>
+                <a:srgbClr val="000000"/>
+              </a:solidFill>
+              <a:latin typeface="Arial"/>
+            </a:endParaRPr>
+          </a:p>
+          <a:p>
+            <a:pPr>
+              <a:lnSpc>
+                <a:spcPct val="100000"/>
+              </a:lnSpc>
+            </a:pPr>
+            <a:endParaRPr b="0" lang="pt-BR" sz="2400" spc="-1" strike="noStrike">
+              <a:solidFill>
+                <a:srgbClr val="000000"/>
+              </a:solidFill>
+              <a:latin typeface="Arial"/>
             </a:endParaRPr>
           </a:p>
           <a:p>
@@ -6415,14 +6208,11 @@
               </a:rPr>
               <a:t>Para  fazer uma entrega de qualidade sempre  se faz necessário  o  acompanhamento das entregas que são feitas, e a escolha de uma boa ferramenta garante a segurança necessária e através disso podemos obter  os relatórios que podem nos trazer feedbacks esperados com a precisão e agilidade sulficientes para garantir a eficiência desta entrega. </a:t>
             </a:r>
-            <a:endParaRPr b="1" lang="pt-BR" sz="2400" spc="-1" strike="noStrike">
-              <a:solidFill>
-                <a:srgbClr val="ffff00"/>
-              </a:solidFill>
-              <a:highlight>
-                <a:srgbClr val="111111"/>
-              </a:highlight>
-              <a:latin typeface="Verdana"/>
+            <a:endParaRPr b="0" lang="pt-BR" sz="2400" spc="-1" strike="noStrike">
+              <a:solidFill>
+                <a:srgbClr val="000000"/>
+              </a:solidFill>
+              <a:latin typeface="Arial"/>
             </a:endParaRPr>
           </a:p>
         </p:txBody>
@@ -6466,7 +6256,7 @@
         <p:spPr>
           <a:xfrm>
             <a:off x="2144520" y="2695320"/>
-            <a:ext cx="3321000" cy="1003680"/>
+            <a:ext cx="3320640" cy="1003320"/>
           </a:xfrm>
           <a:prstGeom prst="rect">
             <a:avLst/>
@@ -6502,14 +6292,11 @@
               </a:rPr>
               <a:t>Obrigada!</a:t>
             </a:r>
-            <a:endParaRPr b="1" lang="pt-BR" sz="6000" spc="-1" strike="noStrike">
-              <a:solidFill>
-                <a:srgbClr val="ffff00"/>
-              </a:solidFill>
-              <a:highlight>
-                <a:srgbClr val="111111"/>
-              </a:highlight>
-              <a:latin typeface="Verdana"/>
+            <a:endParaRPr b="0" lang="pt-BR" sz="6000" spc="-1" strike="noStrike">
+              <a:solidFill>
+                <a:srgbClr val="000000"/>
+              </a:solidFill>
+              <a:latin typeface="Arial"/>
             </a:endParaRPr>
           </a:p>
         </p:txBody>
@@ -6523,7 +6310,7 @@
         <p:spPr>
           <a:xfrm>
             <a:off x="7915680" y="6155640"/>
-            <a:ext cx="4394520" cy="332640"/>
+            <a:ext cx="4394160" cy="332280"/>
           </a:xfrm>
           <a:prstGeom prst="rect">
             <a:avLst/>
@@ -6559,14 +6346,11 @@
               </a:rPr>
               <a:t>Gisele de Oliveira Christo Santos</a:t>
             </a:r>
-            <a:endParaRPr b="1" lang="pt-BR" sz="1600" spc="-1" strike="noStrike">
-              <a:solidFill>
-                <a:srgbClr val="ffff00"/>
-              </a:solidFill>
-              <a:highlight>
-                <a:srgbClr val="111111"/>
-              </a:highlight>
-              <a:latin typeface="Verdana"/>
+            <a:endParaRPr b="0" lang="pt-BR" sz="1600" spc="-1" strike="noStrike">
+              <a:solidFill>
+                <a:srgbClr val="000000"/>
+              </a:solidFill>
+              <a:latin typeface="Arial"/>
             </a:endParaRPr>
           </a:p>
         </p:txBody>
@@ -6580,7 +6364,7 @@
         <p:spPr>
           <a:xfrm>
             <a:off x="8170560" y="6494400"/>
-            <a:ext cx="3884040" cy="210960"/>
+            <a:ext cx="3883680" cy="210600"/>
           </a:xfrm>
           <a:prstGeom prst="rect">
             <a:avLst/>
@@ -6607,7 +6391,7 @@
               </a:lnSpc>
             </a:pPr>
             <a:r>
-              <a:rPr b="0" lang="pt-BR" sz="800" spc="290" strike="noStrike">
+              <a:rPr b="0" lang="pt-BR" sz="800" spc="287" strike="noStrike">
                 <a:solidFill>
                   <a:srgbClr val="bfbfbf"/>
                 </a:solidFill>
@@ -6616,14 +6400,11 @@
               </a:rPr>
               <a:t>CLASSIFICAÇÃO: DOCUMENTO CONFIDENCIAL</a:t>
             </a:r>
-            <a:endParaRPr b="1" lang="pt-BR" sz="800" spc="-1" strike="noStrike">
-              <a:solidFill>
-                <a:srgbClr val="ffff00"/>
-              </a:solidFill>
-              <a:highlight>
-                <a:srgbClr val="111111"/>
-              </a:highlight>
-              <a:latin typeface="Verdana"/>
+            <a:endParaRPr b="0" lang="pt-BR" sz="800" spc="-1" strike="noStrike">
+              <a:solidFill>
+                <a:srgbClr val="000000"/>
+              </a:solidFill>
+              <a:latin typeface="Arial"/>
             </a:endParaRPr>
           </a:p>
         </p:txBody>

--- a/Sprint-14 Análise Estatica/CleartechSprint14.pptx
+++ b/Sprint-14 Análise Estatica/CleartechSprint14.pptx
@@ -5688,7 +5688,7 @@
                 <a:latin typeface="Verdana"/>
                 <a:ea typeface="Verdana"/>
               </a:rPr>
-              <a:t>Complexidade ciclomática</a:t>
+              <a:t>Complexidade ciclomática- mede caminhos independentes que tenham pelo menos uma aresta que ainda não tenha sido percorrida por nenhum outro caminho(pode determinar quais testes vem depois).</a:t>
             </a:r>
             <a:endParaRPr b="0" lang="pt-BR" sz="2100" spc="-1" strike="noStrike">
               <a:solidFill>
@@ -5714,7 +5714,7 @@
                 <a:latin typeface="Verdana"/>
                 <a:ea typeface="Verdana"/>
               </a:rPr>
-              <a:t>Falta de coesão em metodos.</a:t>
+              <a:t>Falta de coesão em métodos.</a:t>
             </a:r>
             <a:endParaRPr b="0" lang="pt-BR" sz="2100" spc="-1" strike="noStrike">
               <a:solidFill>

--- a/Sprint-14 Análise Estatica/CleartechSprint14.pptx
+++ b/Sprint-14 Análise Estatica/CleartechSprint14.pptx
@@ -5597,7 +5597,7 @@
                 <a:latin typeface="Verdana"/>
                 <a:ea typeface="Verdana"/>
               </a:rPr>
-              <a:t>Foco em outros tipos de eficiencia, sabendo que eventuais erros são mitigados.</a:t>
+              <a:t>Foco em outros tipos de eficiência, sabendo que eventuais erros são mitigados.</a:t>
             </a:r>
             <a:endParaRPr b="0" lang="pt-BR" sz="2100" spc="-1" strike="noStrike">
               <a:solidFill>
@@ -5957,7 +5957,7 @@
                 <a:latin typeface="Verdana"/>
                 <a:ea typeface="Verdana"/>
               </a:rPr>
-              <a:t>O code smell significa o cheiro de codigo, ou seja de algo que precisa ser melhorado as falhas que são encontradas no sistema que são sempre a causa de outras falhas existentes  e que podem piorar ainda mais a situação se não são resolvidas.</a:t>
+              <a:t>O code smell significa o cheiro de código, ou seja de algo que precisa ser melhorado as falhas que são encontradas no sistema que são sempre a causa de outras falhas existentes  e que podem piorar ainda mais a situação se não são resolvidas.</a:t>
             </a:r>
             <a:endParaRPr b="0" lang="pt-BR" sz="2400" spc="-1" strike="noStrike">
               <a:solidFill>
@@ -6206,7 +6206,7 @@
                 <a:latin typeface="Verdana"/>
                 <a:ea typeface="Verdana"/>
               </a:rPr>
-              <a:t>Para  fazer uma entrega de qualidade sempre  se faz necessário  o  acompanhamento das entregas que são feitas, e a escolha de uma boa ferramenta garante a segurança necessária e através disso podemos obter  os relatórios que podem nos trazer feedbacks esperados com a precisão e agilidade sulficientes para garantir a eficiência desta entrega. </a:t>
+              <a:t>Para  fazer uma entrega de qualidade sempre  se faz necessário  o  acompanhamento das entregas que são feitas, e a escolha de uma boa ferramenta garante a segurança necessária e através disso podemos obter  os relatórios que podem nos trazer feedbacks esperados com a precisão e agilidade suficientes para garantir a eficiência desta entrega. </a:t>
             </a:r>
             <a:endParaRPr b="0" lang="pt-BR" sz="2400" spc="-1" strike="noStrike">
               <a:solidFill>

--- a/Sprint-14 Análise Estatica/CleartechSprint14.pptx
+++ b/Sprint-14 Análise Estatica/CleartechSprint14.pptx
@@ -14,6 +14,7 @@
     <p:sldId id="261" r:id="rId9"/>
     <p:sldId id="262" r:id="rId10"/>
     <p:sldId id="263" r:id="rId11"/>
+    <p:sldId id="264" r:id="rId12"/>
   </p:sldIdLst>
   <p:sldSz cx="12192000" cy="6858000"/>
   <p:notesSz cx="7559675" cy="10691813"/>
@@ -5455,8 +5456,8 @@
         </p:nvSpPr>
         <p:spPr>
           <a:xfrm>
-            <a:off x="360000" y="360000"/>
-            <a:ext cx="6819480" cy="3794040"/>
+            <a:off x="360720" y="360000"/>
+            <a:ext cx="7198920" cy="6350400"/>
           </a:xfrm>
           <a:prstGeom prst="rect">
             <a:avLst/>
@@ -5493,8 +5494,21 @@
                 <a:latin typeface="Verdana"/>
                 <a:ea typeface="Verdana"/>
               </a:rPr>
-              <a:t>Benefícios da Analise estática</a:t>
+              <a:t>Verificadores estáticos</a:t>
             </a:r>
+            <a:endParaRPr b="0" lang="pt-BR" sz="2400" spc="-1" strike="noStrike">
+              <a:solidFill>
+                <a:srgbClr val="000000"/>
+              </a:solidFill>
+              <a:latin typeface="Arial"/>
+            </a:endParaRPr>
+          </a:p>
+          <a:p>
+            <a:pPr>
+              <a:lnSpc>
+                <a:spcPct val="100000"/>
+              </a:lnSpc>
+            </a:pPr>
             <a:endParaRPr b="0" lang="pt-BR" sz="2400" spc="-1" strike="noStrike">
               <a:solidFill>
                 <a:srgbClr val="000000"/>
@@ -5519,21 +5533,8 @@
                 <a:latin typeface="Verdana"/>
                 <a:ea typeface="Verdana"/>
               </a:rPr>
-              <a:t>Facilidade de encontrar erros</a:t>
+              <a:t>	</a:t>
             </a:r>
-            <a:endParaRPr b="0" lang="pt-BR" sz="2100" spc="-1" strike="noStrike">
-              <a:solidFill>
-                <a:srgbClr val="000000"/>
-              </a:solidFill>
-              <a:latin typeface="Arial"/>
-            </a:endParaRPr>
-          </a:p>
-          <a:p>
-            <a:pPr>
-              <a:lnSpc>
-                <a:spcPct val="100000"/>
-              </a:lnSpc>
-            </a:pPr>
             <a:r>
               <a:rPr b="0" lang="pt-BR" sz="2100" spc="-1" strike="noStrike">
                 <a:solidFill>
@@ -5545,8 +5546,34 @@
                 <a:latin typeface="Verdana"/>
                 <a:ea typeface="Verdana"/>
               </a:rPr>
-              <a:t>Visão objetiva de onde pode ter falhado.</a:t>
+              <a:t>Style checker: verifica suas definições, estilo em que é programado.</a:t>
             </a:r>
+            <a:endParaRPr b="0" lang="pt-BR" sz="2100" spc="-1" strike="noStrike">
+              <a:solidFill>
+                <a:srgbClr val="000000"/>
+              </a:solidFill>
+              <a:latin typeface="Arial"/>
+            </a:endParaRPr>
+          </a:p>
+          <a:p>
+            <a:pPr>
+              <a:lnSpc>
+                <a:spcPct val="100000"/>
+              </a:lnSpc>
+            </a:pPr>
+            <a:endParaRPr b="0" lang="pt-BR" sz="2100" spc="-1" strike="noStrike">
+              <a:solidFill>
+                <a:srgbClr val="000000"/>
+              </a:solidFill>
+              <a:latin typeface="Arial"/>
+            </a:endParaRPr>
+          </a:p>
+          <a:p>
+            <a:pPr>
+              <a:lnSpc>
+                <a:spcPct val="100000"/>
+              </a:lnSpc>
+            </a:pPr>
             <a:endParaRPr b="0" lang="pt-BR" sz="2100" spc="-1" strike="noStrike">
               <a:solidFill>
                 <a:srgbClr val="000000"/>
@@ -5571,7 +5598,7 @@
                 <a:latin typeface="Verdana"/>
                 <a:ea typeface="Verdana"/>
               </a:rPr>
-              <a:t>Perspectiva diferente para facilitar estudos.</a:t>
+              <a:t>Bug checker: Como o nome mesmo diz ele verifica automaticamente  os  erros que possam existir.</a:t>
             </a:r>
             <a:endParaRPr b="0" lang="pt-BR" sz="2100" spc="-1" strike="noStrike">
               <a:solidFill>
@@ -5586,19 +5613,6 @@
                 <a:spcPct val="100000"/>
               </a:lnSpc>
             </a:pPr>
-            <a:r>
-              <a:rPr b="0" lang="pt-BR" sz="2100" spc="-1" strike="noStrike">
-                <a:solidFill>
-                  <a:srgbClr val="ffffff"/>
-                </a:solidFill>
-                <a:highlight>
-                  <a:srgbClr val="111111"/>
-                </a:highlight>
-                <a:latin typeface="Verdana"/>
-                <a:ea typeface="Verdana"/>
-              </a:rPr>
-              <a:t>Foco em outros tipos de eficiência, sabendo que eventuais erros são mitigados.</a:t>
-            </a:r>
             <a:endParaRPr b="0" lang="pt-BR" sz="2100" spc="-1" strike="noStrike">
               <a:solidFill>
                 <a:srgbClr val="000000"/>
@@ -5625,45 +5639,6 @@
                 <a:spcPct val="100000"/>
               </a:lnSpc>
             </a:pPr>
-            <a:r>
-              <a:rPr b="1" lang="pt-BR" sz="2400" spc="-1" strike="noStrike">
-                <a:solidFill>
-                  <a:srgbClr val="ffff00"/>
-                </a:solidFill>
-                <a:highlight>
-                  <a:srgbClr val="111111"/>
-                </a:highlight>
-                <a:latin typeface="Verdana"/>
-                <a:ea typeface="Verdana"/>
-              </a:rPr>
-              <a:t>Algumas métricas medidas pela Analise estática</a:t>
-            </a:r>
-            <a:endParaRPr b="0" lang="pt-BR" sz="2400" spc="-1" strike="noStrike">
-              <a:solidFill>
-                <a:srgbClr val="000000"/>
-              </a:solidFill>
-              <a:latin typeface="Arial"/>
-            </a:endParaRPr>
-          </a:p>
-          <a:p>
-            <a:pPr>
-              <a:lnSpc>
-                <a:spcPct val="100000"/>
-              </a:lnSpc>
-            </a:pPr>
-            <a:r>
-              <a:rPr b="0" lang="pt-BR" sz="2100" spc="-1" strike="noStrike">
-                <a:solidFill>
-                  <a:srgbClr val="ffffff"/>
-                </a:solidFill>
-                <a:highlight>
-                  <a:srgbClr val="111111"/>
-                </a:highlight>
-                <a:latin typeface="Verdana"/>
-                <a:ea typeface="Verdana"/>
-              </a:rPr>
-              <a:t>Números de linhas de código</a:t>
-            </a:r>
             <a:endParaRPr b="0" lang="pt-BR" sz="2100" spc="-1" strike="noStrike">
               <a:solidFill>
                 <a:srgbClr val="000000"/>
@@ -5677,19 +5652,6 @@
                 <a:spcPct val="100000"/>
               </a:lnSpc>
             </a:pPr>
-            <a:r>
-              <a:rPr b="0" lang="pt-BR" sz="2100" spc="-1" strike="noStrike">
-                <a:solidFill>
-                  <a:srgbClr val="ffffff"/>
-                </a:solidFill>
-                <a:highlight>
-                  <a:srgbClr val="111111"/>
-                </a:highlight>
-                <a:latin typeface="Verdana"/>
-                <a:ea typeface="Verdana"/>
-              </a:rPr>
-              <a:t>Complexidade ciclomática- mede caminhos independentes que tenham pelo menos uma aresta que ainda não tenha sido percorrida por nenhum outro caminho(pode determinar quais testes vem depois).</a:t>
-            </a:r>
             <a:endParaRPr b="0" lang="pt-BR" sz="2100" spc="-1" strike="noStrike">
               <a:solidFill>
                 <a:srgbClr val="000000"/>
@@ -5703,19 +5665,19 @@
                 <a:spcPct val="100000"/>
               </a:lnSpc>
             </a:pPr>
-            <a:r>
-              <a:rPr b="0" lang="pt-BR" sz="2100" spc="-1" strike="noStrike">
-                <a:solidFill>
-                  <a:srgbClr val="ffffff"/>
-                </a:solidFill>
-                <a:highlight>
-                  <a:srgbClr val="111111"/>
-                </a:highlight>
-                <a:latin typeface="Verdana"/>
-                <a:ea typeface="Verdana"/>
-              </a:rPr>
-              <a:t>Falta de coesão em métodos.</a:t>
-            </a:r>
+            <a:endParaRPr b="0" lang="pt-BR" sz="2100" spc="-1" strike="noStrike">
+              <a:solidFill>
+                <a:srgbClr val="000000"/>
+              </a:solidFill>
+              <a:latin typeface="Arial"/>
+            </a:endParaRPr>
+          </a:p>
+          <a:p>
+            <a:pPr>
+              <a:lnSpc>
+                <a:spcPct val="100000"/>
+              </a:lnSpc>
+            </a:pPr>
             <a:endParaRPr b="0" lang="pt-BR" sz="2100" spc="-1" strike="noStrike">
               <a:solidFill>
                 <a:srgbClr val="000000"/>
@@ -5814,7 +5776,7 @@
                 <a:latin typeface="Verdana"/>
                 <a:ea typeface="Verdana"/>
               </a:rPr>
-              <a:t>Rules</a:t>
+              <a:t>Benefícios da Analise estática</a:t>
             </a:r>
             <a:endParaRPr b="0" lang="pt-BR" sz="2400" spc="-1" strike="noStrike">
               <a:solidFill>
@@ -5840,8 +5802,21 @@
                 <a:latin typeface="Verdana"/>
                 <a:ea typeface="Verdana"/>
               </a:rPr>
-              <a:t>	</a:t>
+              <a:t>Facilidade de encontrar erros</a:t>
             </a:r>
+            <a:endParaRPr b="0" lang="pt-BR" sz="2100" spc="-1" strike="noStrike">
+              <a:solidFill>
+                <a:srgbClr val="000000"/>
+              </a:solidFill>
+              <a:latin typeface="Arial"/>
+            </a:endParaRPr>
+          </a:p>
+          <a:p>
+            <a:pPr>
+              <a:lnSpc>
+                <a:spcPct val="100000"/>
+              </a:lnSpc>
+            </a:pPr>
             <a:r>
               <a:rPr b="0" lang="pt-BR" sz="2100" spc="-1" strike="noStrike">
                 <a:solidFill>
@@ -5853,7 +5828,7 @@
                 <a:latin typeface="Verdana"/>
                 <a:ea typeface="Verdana"/>
               </a:rPr>
-              <a:t>Regras especificas de cada análise que encontra e categoriza os code smells.</a:t>
+              <a:t>Visão objetiva de onde pode ter falhado.</a:t>
             </a:r>
             <a:endParaRPr b="0" lang="pt-BR" sz="2100" spc="-1" strike="noStrike">
               <a:solidFill>
@@ -5879,7 +5854,33 @@
                 <a:latin typeface="Verdana"/>
                 <a:ea typeface="Verdana"/>
               </a:rPr>
-              <a:t>Estas ferramentas possibilitam as empresas ativar e inativar estas regras ou ate mesmo inserir suas próprias regras se assim acharem necessário.</a:t>
+              <a:t>Perspectiva diferente para facilitar estudos.</a:t>
+            </a:r>
+            <a:endParaRPr b="0" lang="pt-BR" sz="2100" spc="-1" strike="noStrike">
+              <a:solidFill>
+                <a:srgbClr val="000000"/>
+              </a:solidFill>
+              <a:latin typeface="Arial"/>
+            </a:endParaRPr>
+          </a:p>
+          <a:p>
+            <a:pPr>
+              <a:lnSpc>
+                <a:spcPct val="100000"/>
+              </a:lnSpc>
+            </a:pPr>
+            <a:r>
+              <a:rPr b="0" lang="pt-BR" sz="2100" spc="-1" strike="noStrike">
+                <a:solidFill>
+                  <a:srgbClr val="ffffff"/>
+                </a:solidFill>
+                <a:highlight>
+                  <a:srgbClr val="111111"/>
+                </a:highlight>
+                <a:latin typeface="Verdana"/>
+                <a:ea typeface="Verdana"/>
+              </a:rPr>
+              <a:t>Foco em outros tipos de eficiência, sabendo que eventuais erros são mitigados.</a:t>
             </a:r>
             <a:endParaRPr b="0" lang="pt-BR" sz="2100" spc="-1" strike="noStrike">
               <a:solidFill>
@@ -5918,7 +5919,7 @@
                 <a:latin typeface="Verdana"/>
                 <a:ea typeface="Verdana"/>
               </a:rPr>
-              <a:t>Code Smell</a:t>
+              <a:t>Algumas métricas medidas pela Analise estática</a:t>
             </a:r>
             <a:endParaRPr b="0" lang="pt-BR" sz="2400" spc="-1" strike="noStrike">
               <a:solidFill>
@@ -5934,7 +5935,7 @@
               </a:lnSpc>
             </a:pPr>
             <a:r>
-              <a:rPr b="0" lang="pt-BR" sz="2400" spc="-1" strike="noStrike">
+              <a:rPr b="0" lang="pt-BR" sz="2100" spc="-1" strike="noStrike">
                 <a:solidFill>
                   <a:srgbClr val="ffffff"/>
                 </a:solidFill>
@@ -5944,10 +5945,23 @@
                 <a:latin typeface="Verdana"/>
                 <a:ea typeface="Verdana"/>
               </a:rPr>
-              <a:t>	</a:t>
+              <a:t>Números de linhas de código</a:t>
             </a:r>
+            <a:endParaRPr b="0" lang="pt-BR" sz="2100" spc="-1" strike="noStrike">
+              <a:solidFill>
+                <a:srgbClr val="000000"/>
+              </a:solidFill>
+              <a:latin typeface="Arial"/>
+            </a:endParaRPr>
+          </a:p>
+          <a:p>
+            <a:pPr>
+              <a:lnSpc>
+                <a:spcPct val="100000"/>
+              </a:lnSpc>
+            </a:pPr>
             <a:r>
-              <a:rPr b="0" lang="pt-BR" sz="2400" spc="-1" strike="noStrike">
+              <a:rPr b="0" lang="pt-BR" sz="2100" spc="-1" strike="noStrike">
                 <a:solidFill>
                   <a:srgbClr val="ffffff"/>
                 </a:solidFill>
@@ -5957,9 +5971,48 @@
                 <a:latin typeface="Verdana"/>
                 <a:ea typeface="Verdana"/>
               </a:rPr>
-              <a:t>O code smell significa o cheiro de código, ou seja de algo que precisa ser melhorado as falhas que são encontradas no sistema que são sempre a causa de outras falhas existentes  e que podem piorar ainda mais a situação se não são resolvidas.</a:t>
+              <a:t>Complexidade ciclomática- mede caminhos independentes que tenham pelo menos uma aresta que ainda não tenha sido percorrida por nenhum outro caminho(pode determinar quais testes vem depois).</a:t>
             </a:r>
-            <a:endParaRPr b="0" lang="pt-BR" sz="2400" spc="-1" strike="noStrike">
+            <a:endParaRPr b="0" lang="pt-BR" sz="2100" spc="-1" strike="noStrike">
+              <a:solidFill>
+                <a:srgbClr val="000000"/>
+              </a:solidFill>
+              <a:latin typeface="Arial"/>
+            </a:endParaRPr>
+          </a:p>
+          <a:p>
+            <a:pPr>
+              <a:lnSpc>
+                <a:spcPct val="100000"/>
+              </a:lnSpc>
+            </a:pPr>
+            <a:r>
+              <a:rPr b="0" lang="pt-BR" sz="2100" spc="-1" strike="noStrike">
+                <a:solidFill>
+                  <a:srgbClr val="ffffff"/>
+                </a:solidFill>
+                <a:highlight>
+                  <a:srgbClr val="111111"/>
+                </a:highlight>
+                <a:latin typeface="Verdana"/>
+                <a:ea typeface="Verdana"/>
+              </a:rPr>
+              <a:t>Falta de coesão em métodos.</a:t>
+            </a:r>
+            <a:endParaRPr b="0" lang="pt-BR" sz="2100" spc="-1" strike="noStrike">
+              <a:solidFill>
+                <a:srgbClr val="000000"/>
+              </a:solidFill>
+              <a:latin typeface="Arial"/>
+            </a:endParaRPr>
+          </a:p>
+          <a:p>
+            <a:pPr>
+              <a:lnSpc>
+                <a:spcPct val="100000"/>
+              </a:lnSpc>
+            </a:pPr>
+            <a:endParaRPr b="0" lang="pt-BR" sz="2100" spc="-1" strike="noStrike">
               <a:solidFill>
                 <a:srgbClr val="000000"/>
               </a:solidFill>
@@ -5998,39 +6051,16 @@
           <a:chExt cx="0" cy="0"/>
         </a:xfrm>
       </p:grpSpPr>
-      <p:pic>
-        <p:nvPicPr>
-          <p:cNvPr id="89" name="" descr=""/>
-          <p:cNvPicPr/>
-          <p:nvPr/>
-        </p:nvPicPr>
-        <p:blipFill>
-          <a:blip r:embed="rId1"/>
-          <a:stretch/>
-        </p:blipFill>
-        <p:spPr>
-          <a:xfrm>
-            <a:off x="1260000" y="1620000"/>
-            <a:ext cx="8998920" cy="3778920"/>
-          </a:xfrm>
-          <a:prstGeom prst="rect">
-            <a:avLst/>
-          </a:prstGeom>
-          <a:ln w="0">
-            <a:noFill/>
-          </a:ln>
-        </p:spPr>
-      </p:pic>
-      <p:sp>
-        <p:nvSpPr>
-          <p:cNvPr id="90" name=""/>
+      <p:sp>
+        <p:nvSpPr>
+          <p:cNvPr id="89" name=""/>
           <p:cNvSpPr/>
           <p:nvPr/>
         </p:nvSpPr>
         <p:spPr>
           <a:xfrm>
-            <a:off x="2039040" y="900000"/>
-            <a:ext cx="5519880" cy="460080"/>
+            <a:off x="360000" y="360000"/>
+            <a:ext cx="6819480" cy="3794040"/>
           </a:xfrm>
           <a:prstGeom prst="rect">
             <a:avLst/>
@@ -6067,7 +6097,150 @@
                 <a:latin typeface="Verdana"/>
                 <a:ea typeface="Verdana"/>
               </a:rPr>
-              <a:t>Exemplo de code smell</a:t>
+              <a:t>Rules</a:t>
+            </a:r>
+            <a:endParaRPr b="0" lang="pt-BR" sz="2400" spc="-1" strike="noStrike">
+              <a:solidFill>
+                <a:srgbClr val="000000"/>
+              </a:solidFill>
+              <a:latin typeface="Arial"/>
+            </a:endParaRPr>
+          </a:p>
+          <a:p>
+            <a:pPr>
+              <a:lnSpc>
+                <a:spcPct val="100000"/>
+              </a:lnSpc>
+            </a:pPr>
+            <a:r>
+              <a:rPr b="0" lang="pt-BR" sz="2100" spc="-1" strike="noStrike">
+                <a:solidFill>
+                  <a:srgbClr val="ffffff"/>
+                </a:solidFill>
+                <a:highlight>
+                  <a:srgbClr val="111111"/>
+                </a:highlight>
+                <a:latin typeface="Verdana"/>
+                <a:ea typeface="Verdana"/>
+              </a:rPr>
+              <a:t>	</a:t>
+            </a:r>
+            <a:r>
+              <a:rPr b="0" lang="pt-BR" sz="2100" spc="-1" strike="noStrike">
+                <a:solidFill>
+                  <a:srgbClr val="ffffff"/>
+                </a:solidFill>
+                <a:highlight>
+                  <a:srgbClr val="111111"/>
+                </a:highlight>
+                <a:latin typeface="Verdana"/>
+                <a:ea typeface="Verdana"/>
+              </a:rPr>
+              <a:t>Regras especificas de cada análise que encontra e categoriza os code smells.</a:t>
+            </a:r>
+            <a:endParaRPr b="0" lang="pt-BR" sz="2100" spc="-1" strike="noStrike">
+              <a:solidFill>
+                <a:srgbClr val="000000"/>
+              </a:solidFill>
+              <a:latin typeface="Arial"/>
+            </a:endParaRPr>
+          </a:p>
+          <a:p>
+            <a:pPr>
+              <a:lnSpc>
+                <a:spcPct val="100000"/>
+              </a:lnSpc>
+            </a:pPr>
+            <a:r>
+              <a:rPr b="0" lang="pt-BR" sz="2100" spc="-1" strike="noStrike">
+                <a:solidFill>
+                  <a:srgbClr val="ffffff"/>
+                </a:solidFill>
+                <a:highlight>
+                  <a:srgbClr val="111111"/>
+                </a:highlight>
+                <a:latin typeface="Verdana"/>
+                <a:ea typeface="Verdana"/>
+              </a:rPr>
+              <a:t>Estas ferramentas possibilitam as empresas ativar e inativar estas regras ou ate mesmo inserir suas próprias regras se assim acharem necessário.</a:t>
+            </a:r>
+            <a:endParaRPr b="0" lang="pt-BR" sz="2100" spc="-1" strike="noStrike">
+              <a:solidFill>
+                <a:srgbClr val="000000"/>
+              </a:solidFill>
+              <a:latin typeface="Arial"/>
+            </a:endParaRPr>
+          </a:p>
+          <a:p>
+            <a:pPr>
+              <a:lnSpc>
+                <a:spcPct val="100000"/>
+              </a:lnSpc>
+            </a:pPr>
+            <a:endParaRPr b="0" lang="pt-BR" sz="2100" spc="-1" strike="noStrike">
+              <a:solidFill>
+                <a:srgbClr val="000000"/>
+              </a:solidFill>
+              <a:latin typeface="Arial"/>
+            </a:endParaRPr>
+          </a:p>
+          <a:p>
+            <a:pPr>
+              <a:lnSpc>
+                <a:spcPct val="100000"/>
+              </a:lnSpc>
+            </a:pPr>
+            <a:r>
+              <a:rPr b="1" lang="pt-BR" sz="2400" spc="-1" strike="noStrike">
+                <a:solidFill>
+                  <a:srgbClr val="ffff00"/>
+                </a:solidFill>
+                <a:highlight>
+                  <a:srgbClr val="111111"/>
+                </a:highlight>
+                <a:latin typeface="Verdana"/>
+                <a:ea typeface="Verdana"/>
+              </a:rPr>
+              <a:t>Code Smell</a:t>
+            </a:r>
+            <a:endParaRPr b="0" lang="pt-BR" sz="2400" spc="-1" strike="noStrike">
+              <a:solidFill>
+                <a:srgbClr val="000000"/>
+              </a:solidFill>
+              <a:latin typeface="Arial"/>
+            </a:endParaRPr>
+          </a:p>
+          <a:p>
+            <a:pPr>
+              <a:lnSpc>
+                <a:spcPct val="100000"/>
+              </a:lnSpc>
+            </a:pPr>
+            <a:r>
+              <a:rPr b="0" lang="pt-BR" sz="2400" spc="-1" strike="noStrike">
+                <a:solidFill>
+                  <a:srgbClr val="ffffff"/>
+                </a:solidFill>
+                <a:highlight>
+                  <a:srgbClr val="111111"/>
+                </a:highlight>
+                <a:latin typeface="Verdana"/>
+                <a:ea typeface="Verdana"/>
+              </a:rPr>
+              <a:t>	</a:t>
+            </a:r>
+            <a:r>
+              <a:rPr b="0" lang="pt-BR" sz="2400" spc="-1" strike="noStrike">
+                <a:solidFill>
+                  <a:srgbClr val="ffffff"/>
+                </a:solidFill>
+                <a:highlight>
+                  <a:srgbClr val="111111"/>
+                </a:highlight>
+                <a:latin typeface="Verdana"/>
+                <a:ea typeface="Verdana"/>
+              </a:rPr>
+              <a:t>O code smell significa o cheiro de código, ou seja de algo que precisa ser melhorado as falhas que são encontradas no sistema que são sempre a causa de outras falhas existentes  e que podem piorar ainda mais a situação se não são resolvidas.</a:t>
             </a:r>
             <a:endParaRPr b="0" lang="pt-BR" sz="2400" spc="-1" strike="noStrike">
               <a:solidFill>
@@ -6108,6 +6281,29 @@
           <a:chExt cx="0" cy="0"/>
         </a:xfrm>
       </p:grpSpPr>
+      <p:pic>
+        <p:nvPicPr>
+          <p:cNvPr id="90" name="" descr=""/>
+          <p:cNvPicPr/>
+          <p:nvPr/>
+        </p:nvPicPr>
+        <p:blipFill>
+          <a:blip r:embed="rId1"/>
+          <a:stretch/>
+        </p:blipFill>
+        <p:spPr>
+          <a:xfrm>
+            <a:off x="1260000" y="1620000"/>
+            <a:ext cx="8998920" cy="3778920"/>
+          </a:xfrm>
+          <a:prstGeom prst="rect">
+            <a:avLst/>
+          </a:prstGeom>
+          <a:ln w="0">
+            <a:noFill/>
+          </a:ln>
+        </p:spPr>
+      </p:pic>
       <p:sp>
         <p:nvSpPr>
           <p:cNvPr id="91" name=""/>
@@ -6116,8 +6312,8 @@
         </p:nvSpPr>
         <p:spPr>
           <a:xfrm>
-            <a:off x="180000" y="720000"/>
-            <a:ext cx="9178920" cy="3423240"/>
+            <a:off x="2039040" y="900000"/>
+            <a:ext cx="5519880" cy="460080"/>
           </a:xfrm>
           <a:prstGeom prst="rect">
             <a:avLst/>
@@ -6154,59 +6350,7 @@
                 <a:latin typeface="Verdana"/>
                 <a:ea typeface="Verdana"/>
               </a:rPr>
-              <a:t>Conclusão.</a:t>
-            </a:r>
-            <a:endParaRPr b="0" lang="pt-BR" sz="2400" spc="-1" strike="noStrike">
-              <a:solidFill>
-                <a:srgbClr val="000000"/>
-              </a:solidFill>
-              <a:latin typeface="Arial"/>
-            </a:endParaRPr>
-          </a:p>
-          <a:p>
-            <a:pPr>
-              <a:lnSpc>
-                <a:spcPct val="100000"/>
-              </a:lnSpc>
-            </a:pPr>
-            <a:endParaRPr b="0" lang="pt-BR" sz="2400" spc="-1" strike="noStrike">
-              <a:solidFill>
-                <a:srgbClr val="000000"/>
-              </a:solidFill>
-              <a:latin typeface="Arial"/>
-            </a:endParaRPr>
-          </a:p>
-          <a:p>
-            <a:pPr>
-              <a:lnSpc>
-                <a:spcPct val="100000"/>
-              </a:lnSpc>
-            </a:pPr>
-            <a:r>
-              <a:rPr b="0" lang="pt-BR" sz="2400" spc="-1" strike="noStrike">
-                <a:solidFill>
-                  <a:srgbClr val="ffffff"/>
-                </a:solidFill>
-                <a:highlight>
-                  <a:srgbClr val="111111"/>
-                </a:highlight>
-                <a:latin typeface="Verdana"/>
-                <a:ea typeface="Verdana"/>
-              </a:rPr>
-              <a:t>	</a:t>
-            </a:r>
-            <a:r>
-              <a:rPr b="0" lang="pt-BR" sz="2400" spc="-1" strike="noStrike">
-                <a:solidFill>
-                  <a:srgbClr val="ffffff"/>
-                </a:solidFill>
-                <a:highlight>
-                  <a:srgbClr val="111111"/>
-                </a:highlight>
-                <a:latin typeface="Verdana"/>
-                <a:ea typeface="Verdana"/>
-              </a:rPr>
-              <a:t>Para  fazer uma entrega de qualidade sempre  se faz necessário  o  acompanhamento das entregas que são feitas, e a escolha de uma boa ferramenta garante a segurança necessária e através disso podemos obter  os relatórios que podem nos trazer feedbacks esperados com a precisão e agilidade suficientes para garantir a eficiência desta entrega. </a:t>
+              <a:t>Exemplo de code smell</a:t>
             </a:r>
             <a:endParaRPr b="0" lang="pt-BR" sz="2400" spc="-1" strike="noStrike">
               <a:solidFill>
@@ -6249,7 +6393,146 @@
       </p:grpSpPr>
       <p:sp>
         <p:nvSpPr>
-          <p:cNvPr id="92" name="CustomShape 1"/>
+          <p:cNvPr id="92" name=""/>
+          <p:cNvSpPr/>
+          <p:nvPr/>
+        </p:nvSpPr>
+        <p:spPr>
+          <a:xfrm>
+            <a:off x="180000" y="720000"/>
+            <a:ext cx="9178920" cy="3423240"/>
+          </a:xfrm>
+          <a:prstGeom prst="rect">
+            <a:avLst/>
+          </a:prstGeom>
+          <a:noFill/>
+          <a:ln w="0">
+            <a:noFill/>
+          </a:ln>
+        </p:spPr>
+        <p:style>
+          <a:lnRef idx="0"/>
+          <a:fillRef idx="0"/>
+          <a:effectRef idx="0"/>
+          <a:fontRef idx="minor"/>
+        </p:style>
+        <p:txBody>
+          <a:bodyPr lIns="90000" rIns="90000" tIns="45000" bIns="45000" anchor="t">
+            <a:noAutofit/>
+          </a:bodyPr>
+          <a:p>
+            <a:pPr>
+              <a:lnSpc>
+                <a:spcPct val="100000"/>
+              </a:lnSpc>
+            </a:pPr>
+            <a:r>
+              <a:rPr b="1" lang="pt-BR" sz="2400" spc="-1" strike="noStrike">
+                <a:solidFill>
+                  <a:srgbClr val="ffff00"/>
+                </a:solidFill>
+                <a:highlight>
+                  <a:srgbClr val="111111"/>
+                </a:highlight>
+                <a:latin typeface="Verdana"/>
+                <a:ea typeface="Verdana"/>
+              </a:rPr>
+              <a:t>Conclusão.</a:t>
+            </a:r>
+            <a:endParaRPr b="0" lang="pt-BR" sz="2400" spc="-1" strike="noStrike">
+              <a:solidFill>
+                <a:srgbClr val="000000"/>
+              </a:solidFill>
+              <a:latin typeface="Arial"/>
+            </a:endParaRPr>
+          </a:p>
+          <a:p>
+            <a:pPr>
+              <a:lnSpc>
+                <a:spcPct val="100000"/>
+              </a:lnSpc>
+            </a:pPr>
+            <a:endParaRPr b="0" lang="pt-BR" sz="2400" spc="-1" strike="noStrike">
+              <a:solidFill>
+                <a:srgbClr val="000000"/>
+              </a:solidFill>
+              <a:latin typeface="Arial"/>
+            </a:endParaRPr>
+          </a:p>
+          <a:p>
+            <a:pPr>
+              <a:lnSpc>
+                <a:spcPct val="100000"/>
+              </a:lnSpc>
+            </a:pPr>
+            <a:r>
+              <a:rPr b="0" lang="pt-BR" sz="2400" spc="-1" strike="noStrike">
+                <a:solidFill>
+                  <a:srgbClr val="ffffff"/>
+                </a:solidFill>
+                <a:highlight>
+                  <a:srgbClr val="111111"/>
+                </a:highlight>
+                <a:latin typeface="Verdana"/>
+                <a:ea typeface="Verdana"/>
+              </a:rPr>
+              <a:t>	</a:t>
+            </a:r>
+            <a:r>
+              <a:rPr b="0" lang="pt-BR" sz="2400" spc="-1" strike="noStrike">
+                <a:solidFill>
+                  <a:srgbClr val="ffffff"/>
+                </a:solidFill>
+                <a:highlight>
+                  <a:srgbClr val="111111"/>
+                </a:highlight>
+                <a:latin typeface="Verdana"/>
+                <a:ea typeface="Verdana"/>
+              </a:rPr>
+              <a:t>Para  fazer uma entrega de qualidade sempre  se faz necessário  o  acompanhamento das entregas que são feitas, e a escolha de uma boa ferramenta garante a segurança necessária e através disso podemos obter  os relatórios que podem nos trazer feedbacks esperados com a precisão e agilidade suficientes para garantir a eficiência desta entrega. </a:t>
+            </a:r>
+            <a:endParaRPr b="0" lang="pt-BR" sz="2400" spc="-1" strike="noStrike">
+              <a:solidFill>
+                <a:srgbClr val="000000"/>
+              </a:solidFill>
+              <a:latin typeface="Arial"/>
+            </a:endParaRPr>
+          </a:p>
+        </p:txBody>
+      </p:sp>
+    </p:spTree>
+  </p:cSld>
+  <mc:AlternateContent>
+    <mc:Choice Requires="p14">
+      <p:transition spd="slow" p14:dur="2000"/>
+    </mc:Choice>
+    <mc:Fallback>
+      <p:transition spd="slow"/>
+    </mc:Fallback>
+  </mc:AlternateContent>
+</p:sld>
+</file>
+
+<file path=ppt/slides/slide9.xml><?xml version="1.0" encoding="utf-8"?>
+<p:sld xmlns:a="http://schemas.openxmlformats.org/drawingml/2006/main" xmlns:p="http://schemas.openxmlformats.org/presentationml/2006/main" xmlns:r="http://schemas.openxmlformats.org/officeDocument/2006/relationships" xmlns:p14="http://schemas.microsoft.com/office/powerpoint/2010/main" xmlns:p15="http://schemas.microsoft.com/office/powerpoint/2012/main" xmlns:mc="http://schemas.openxmlformats.org/markup-compatibility/2006">
+  <p:cSld>
+    <p:spTree>
+      <p:nvGrpSpPr>
+        <p:cNvPr id="1" name=""/>
+        <p:cNvGrpSpPr/>
+        <p:nvPr/>
+      </p:nvGrpSpPr>
+      <p:grpSpPr>
+        <a:xfrm>
+          <a:off x="0" y="0"/>
+          <a:ext cx="0" cy="0"/>
+          <a:chOff x="0" y="0"/>
+          <a:chExt cx="0" cy="0"/>
+        </a:xfrm>
+      </p:grpSpPr>
+      <p:sp>
+        <p:nvSpPr>
+          <p:cNvPr id="93" name="CustomShape 1"/>
           <p:cNvSpPr/>
           <p:nvPr/>
         </p:nvSpPr>
@@ -6303,7 +6586,7 @@
       </p:sp>
       <p:sp>
         <p:nvSpPr>
-          <p:cNvPr id="93" name="CustomShape 2"/>
+          <p:cNvPr id="94" name="CustomShape 2"/>
           <p:cNvSpPr/>
           <p:nvPr/>
         </p:nvSpPr>
@@ -6357,7 +6640,7 @@
       </p:sp>
       <p:sp>
         <p:nvSpPr>
-          <p:cNvPr id="94" name="CustomShape 3"/>
+          <p:cNvPr id="95" name="CustomShape 3"/>
           <p:cNvSpPr/>
           <p:nvPr/>
         </p:nvSpPr>

--- a/Sprint-14 Análise Estatica/CleartechSprint14.pptx
+++ b/Sprint-14 Análise Estatica/CleartechSprint14.pptx
@@ -3606,7 +3606,7 @@
         <p:spPr>
           <a:xfrm>
             <a:off x="10266840" y="6244920"/>
-            <a:ext cx="1572480" cy="358920"/>
+            <a:ext cx="1572120" cy="358560"/>
           </a:xfrm>
           <a:prstGeom prst="rect">
             <a:avLst/>
@@ -3629,7 +3629,7 @@
         <p:spPr>
           <a:xfrm>
             <a:off x="0" y="0"/>
-            <a:ext cx="12190320" cy="6856200"/>
+            <a:ext cx="12189960" cy="6855840"/>
           </a:xfrm>
           <a:prstGeom prst="rect">
             <a:avLst/>
@@ -3970,7 +3970,7 @@
         <p:spPr>
           <a:xfrm>
             <a:off x="0" y="0"/>
-            <a:ext cx="12190320" cy="6856200"/>
+            <a:ext cx="12189960" cy="6855840"/>
           </a:xfrm>
           <a:prstGeom prst="rect">
             <a:avLst/>
@@ -4300,7 +4300,7 @@
         <p:spPr>
           <a:xfrm>
             <a:off x="360000" y="1681920"/>
-            <a:ext cx="6377760" cy="1917000"/>
+            <a:ext cx="6377400" cy="1916640"/>
           </a:xfrm>
           <a:prstGeom prst="rect">
             <a:avLst/>
@@ -4377,7 +4377,7 @@
         <p:spPr>
           <a:xfrm>
             <a:off x="7915680" y="6155640"/>
-            <a:ext cx="4394160" cy="332280"/>
+            <a:ext cx="4393800" cy="331920"/>
           </a:xfrm>
           <a:prstGeom prst="rect">
             <a:avLst/>
@@ -4431,7 +4431,7 @@
         <p:spPr>
           <a:xfrm>
             <a:off x="8170560" y="6494400"/>
-            <a:ext cx="3883680" cy="210600"/>
+            <a:ext cx="3883320" cy="210240"/>
           </a:xfrm>
           <a:prstGeom prst="rect">
             <a:avLst/>
@@ -4506,7 +4506,7 @@
         <p:spPr>
           <a:xfrm>
             <a:off x="4127760" y="148320"/>
-            <a:ext cx="2886120" cy="1003320"/>
+            <a:ext cx="2885760" cy="1002960"/>
           </a:xfrm>
           <a:prstGeom prst="rect">
             <a:avLst/>
@@ -4563,7 +4563,7 @@
         <p:spPr>
           <a:xfrm>
             <a:off x="5087880" y="6494400"/>
-            <a:ext cx="3883680" cy="210600"/>
+            <a:ext cx="3883320" cy="210240"/>
           </a:xfrm>
           <a:prstGeom prst="rect">
             <a:avLst/>
@@ -4590,7 +4590,7 @@
               </a:lnSpc>
             </a:pPr>
             <a:r>
-              <a:rPr b="0" lang="pt-BR" sz="800" spc="287" strike="noStrike">
+              <a:rPr b="0" lang="pt-BR" sz="800" spc="284" strike="noStrike">
                 <a:solidFill>
                   <a:srgbClr val="808080"/>
                 </a:solidFill>
@@ -4617,7 +4617,7 @@
         <p:spPr>
           <a:xfrm>
             <a:off x="936720" y="1243800"/>
-            <a:ext cx="6092280" cy="10120680"/>
+            <a:ext cx="6091920" cy="10120320"/>
           </a:xfrm>
           <a:prstGeom prst="rect">
             <a:avLst/>
@@ -5036,7 +5036,7 @@
         <p:spPr>
           <a:xfrm>
             <a:off x="7030800" y="1582200"/>
-            <a:ext cx="6092280" cy="2223360"/>
+            <a:ext cx="6091920" cy="2223000"/>
           </a:xfrm>
           <a:prstGeom prst="rect">
             <a:avLst/>
@@ -5188,7 +5188,7 @@
         <p:spPr>
           <a:xfrm>
             <a:off x="360720" y="360000"/>
-            <a:ext cx="7198920" cy="6350400"/>
+            <a:ext cx="7198560" cy="6350040"/>
           </a:xfrm>
           <a:prstGeom prst="rect">
             <a:avLst/>
@@ -5457,7 +5457,7 @@
         <p:spPr>
           <a:xfrm>
             <a:off x="360720" y="360000"/>
-            <a:ext cx="7198920" cy="6350400"/>
+            <a:ext cx="7198560" cy="6350040"/>
           </a:xfrm>
           <a:prstGeom prst="rect">
             <a:avLst/>
@@ -5739,7 +5739,7 @@
         <p:spPr>
           <a:xfrm>
             <a:off x="360000" y="360000"/>
-            <a:ext cx="6819480" cy="3794040"/>
+            <a:ext cx="6819120" cy="3793680"/>
           </a:xfrm>
           <a:prstGeom prst="rect">
             <a:avLst/>
@@ -5981,11 +5981,6 @@
             </a:endParaRPr>
           </a:p>
           <a:p>
-            <a:pPr>
-              <a:lnSpc>
-                <a:spcPct val="100000"/>
-              </a:lnSpc>
-            </a:pPr>
             <a:r>
               <a:rPr b="0" lang="pt-BR" sz="2100" spc="-1" strike="noStrike">
                 <a:solidFill>
@@ -5997,7 +5992,33 @@
                 <a:latin typeface="Verdana"/>
                 <a:ea typeface="Verdana"/>
               </a:rPr>
-              <a:t>Falta de coesão em métodos.</a:t>
+              <a:t>Falta de coesão em métodos (mede a responsabilidade pelo </a:t>
+            </a:r>
+            <a:r>
+              <a:rPr b="0" lang="pt-BR" sz="2100" spc="-1" strike="noStrike">
+                <a:solidFill>
+                  <a:srgbClr val="ffffff"/>
+                </a:solidFill>
+                <a:highlight>
+                  <a:srgbClr val="111111"/>
+                </a:highlight>
+                <a:latin typeface="Verdana"/>
+                <a:ea typeface="Verdana"/>
+              </a:rPr>
+              <a:t>LCOM</a:t>
+            </a:r>
+            <a:r>
+              <a:rPr b="0" lang="pt-BR" sz="2100" spc="-1" strike="noStrike">
+                <a:solidFill>
+                  <a:srgbClr val="ffffff"/>
+                </a:solidFill>
+                <a:highlight>
+                  <a:srgbClr val="111111"/>
+                </a:highlight>
+                <a:latin typeface="Verdana"/>
+                <a:ea typeface="Verdana"/>
+              </a:rPr>
+              <a:t>, quanto mais tem menos coesa é a classe).</a:t>
             </a:r>
             <a:endParaRPr b="0" lang="pt-BR" sz="2100" spc="-1" strike="noStrike">
               <a:solidFill>
@@ -6060,7 +6081,7 @@
         <p:spPr>
           <a:xfrm>
             <a:off x="360000" y="360000"/>
-            <a:ext cx="6819480" cy="3794040"/>
+            <a:ext cx="6819120" cy="3793680"/>
           </a:xfrm>
           <a:prstGeom prst="rect">
             <a:avLst/>
@@ -6240,7 +6261,7 @@
                 <a:latin typeface="Verdana"/>
                 <a:ea typeface="Verdana"/>
               </a:rPr>
-              <a:t>O code smell significa o cheiro de código, ou seja de algo que precisa ser melhorado as falhas que são encontradas no sistema que são sempre a causa de outras falhas existentes  e que podem piorar ainda mais a situação se não são resolvidas.</a:t>
+              <a:t>O code smell significa o cheiro de código, ou seja de algo que precisa ser melhorado nem sempre são falhas, mas podem ser a  causa de outras falhas existentes  e que podem piorar ainda mais a situação se não são resolvidas.</a:t>
             </a:r>
             <a:endParaRPr b="0" lang="pt-BR" sz="2400" spc="-1" strike="noStrike">
               <a:solidFill>
@@ -6294,7 +6315,7 @@
         <p:spPr>
           <a:xfrm>
             <a:off x="1260000" y="1620000"/>
-            <a:ext cx="8998920" cy="3778920"/>
+            <a:ext cx="8998560" cy="3778560"/>
           </a:xfrm>
           <a:prstGeom prst="rect">
             <a:avLst/>
@@ -6313,7 +6334,7 @@
         <p:spPr>
           <a:xfrm>
             <a:off x="2039040" y="900000"/>
-            <a:ext cx="5519880" cy="460080"/>
+            <a:ext cx="5519520" cy="459720"/>
           </a:xfrm>
           <a:prstGeom prst="rect">
             <a:avLst/>
@@ -6400,7 +6421,7 @@
         <p:spPr>
           <a:xfrm>
             <a:off x="180000" y="720000"/>
-            <a:ext cx="9178920" cy="3423240"/>
+            <a:ext cx="9178560" cy="3422880"/>
           </a:xfrm>
           <a:prstGeom prst="rect">
             <a:avLst/>
@@ -6539,7 +6560,7 @@
         <p:spPr>
           <a:xfrm>
             <a:off x="2144520" y="2695320"/>
-            <a:ext cx="3320640" cy="1003320"/>
+            <a:ext cx="3320280" cy="1002960"/>
           </a:xfrm>
           <a:prstGeom prst="rect">
             <a:avLst/>
@@ -6593,7 +6614,7 @@
         <p:spPr>
           <a:xfrm>
             <a:off x="7915680" y="6155640"/>
-            <a:ext cx="4394160" cy="332280"/>
+            <a:ext cx="4393800" cy="331920"/>
           </a:xfrm>
           <a:prstGeom prst="rect">
             <a:avLst/>
@@ -6647,7 +6668,7 @@
         <p:spPr>
           <a:xfrm>
             <a:off x="8170560" y="6494400"/>
-            <a:ext cx="3883680" cy="210600"/>
+            <a:ext cx="3883320" cy="210240"/>
           </a:xfrm>
           <a:prstGeom prst="rect">
             <a:avLst/>
@@ -6674,7 +6695,7 @@
               </a:lnSpc>
             </a:pPr>
             <a:r>
-              <a:rPr b="0" lang="pt-BR" sz="800" spc="287" strike="noStrike">
+              <a:rPr b="0" lang="pt-BR" sz="800" spc="284" strike="noStrike">
                 <a:solidFill>
                   <a:srgbClr val="bfbfbf"/>
                 </a:solidFill>
